--- a/Credit Card Eligibility- Project 2 (1).pptx
+++ b/Credit Card Eligibility- Project 2 (1).pptx
@@ -3545,7 +3545,7 @@
         </p:nvSpPr>
         <p:spPr>
           <a:xfrm>
-            <a:off x="381300" y="685800"/>
+            <a:off x="381000" y="685800"/>
             <a:ext cx="6096000" cy="3429000"/>
           </a:xfrm>
           <a:custGeom>
@@ -16546,7 +16546,7 @@
             </a:pPr>
             <a:r>
               <a:rPr lang="en"/>
-              <a:t>Approach: Code</a:t>
+              <a:t>Libraries Utilized:</a:t>
             </a:r>
             <a:endParaRPr/>
           </a:p>
@@ -16573,7 +16573,7 @@
         </p:spPr>
         <p:txBody>
           <a:bodyPr spcFirstLastPara="1" wrap="square" lIns="91425" tIns="91425" rIns="91425" bIns="91425" anchor="t" anchorCtr="0">
-            <a:normAutofit lnSpcReduction="10000"/>
+            <a:normAutofit/>
           </a:bodyPr>
           <a:lstStyle/>
           <a:p>
@@ -16588,10 +16588,10 @@
               <a:buChar char="●"/>
             </a:pPr>
             <a:r>
-              <a:rPr lang="en"/>
+              <a:rPr lang="en" dirty="0"/>
               <a:t>Pandas</a:t>
             </a:r>
-            <a:endParaRPr/>
+            <a:endParaRPr dirty="0"/>
           </a:p>
           <a:p>
             <a:pPr marL="457200" lvl="0" indent="-342900" algn="l" rtl="0">
@@ -16605,10 +16605,10 @@
               <a:buChar char="●"/>
             </a:pPr>
             <a:r>
-              <a:rPr lang="en"/>
-              <a:t>Sklearn:	model selection, preprocessing, standard scaler, label encoder, linear model, logistical regression, SVC, Kneighbors, DecisionTree, RandomForest, ensemble,Adaboost, GradientBoost, Metrics, utils</a:t>
-            </a:r>
-            <a:endParaRPr/>
+              <a:rPr lang="en" dirty="0"/>
+              <a:t>Sklearn: model selection, standard scaler, label encoder, linear model, logistical regression, SVC, Kneighbors, DecisionTree, RandomForest, GradientBoost</a:t>
+            </a:r>
+            <a:endParaRPr dirty="0"/>
           </a:p>
           <a:p>
             <a:pPr marL="457200" lvl="0" indent="-342900" algn="l" rtl="0">
@@ -16622,10 +16622,10 @@
               <a:buChar char="●"/>
             </a:pPr>
             <a:r>
-              <a:rPr lang="en"/>
+              <a:rPr lang="en" dirty="0"/>
               <a:t>Numpy</a:t>
             </a:r>
-            <a:endParaRPr/>
+            <a:endParaRPr dirty="0"/>
           </a:p>
           <a:p>
             <a:pPr marL="457200" lvl="0" indent="-342900" algn="l" rtl="0">
@@ -16639,10 +16639,10 @@
               <a:buChar char="●"/>
             </a:pPr>
             <a:r>
-              <a:rPr lang="en"/>
+              <a:rPr lang="en" dirty="0"/>
               <a:t>Seaborn</a:t>
             </a:r>
-            <a:endParaRPr/>
+            <a:endParaRPr dirty="0"/>
           </a:p>
           <a:p>
             <a:pPr marL="457200" lvl="0" indent="-342900" algn="l" rtl="0">
@@ -16656,10 +16656,10 @@
               <a:buChar char="●"/>
             </a:pPr>
             <a:r>
-              <a:rPr lang="en"/>
+              <a:rPr lang="en" dirty="0"/>
               <a:t>Matplotlib</a:t>
             </a:r>
-            <a:endParaRPr/>
+            <a:endParaRPr dirty="0"/>
           </a:p>
           <a:p>
             <a:pPr marL="457200" lvl="0" indent="-342900" algn="l" rtl="0">
@@ -16673,10 +16673,10 @@
               <a:buChar char="●"/>
             </a:pPr>
             <a:r>
-              <a:rPr lang="en"/>
+              <a:rPr lang="en" dirty="0"/>
               <a:t>Scipy.stats</a:t>
             </a:r>
-            <a:endParaRPr/>
+            <a:endParaRPr dirty="0"/>
           </a:p>
           <a:p>
             <a:pPr marL="457200" lvl="0" indent="-342900" algn="l" rtl="0">
@@ -16690,27 +16690,10 @@
               <a:buChar char="●"/>
             </a:pPr>
             <a:r>
-              <a:rPr lang="en"/>
+              <a:rPr lang="en" dirty="0"/>
               <a:t>AutoViz</a:t>
             </a:r>
-            <a:endParaRPr/>
-          </a:p>
-          <a:p>
-            <a:pPr marL="457200" lvl="0" indent="-342900" algn="l" rtl="0">
-              <a:spcBef>
-                <a:spcPts val="0"/>
-              </a:spcBef>
-              <a:spcAft>
-                <a:spcPts val="0"/>
-              </a:spcAft>
-              <a:buSzPts val="1800"/>
-              <a:buChar char="●"/>
-            </a:pPr>
-            <a:r>
-              <a:rPr lang="en"/>
-              <a:t>Label Encoder</a:t>
-            </a:r>
-            <a:endParaRPr/>
+            <a:endParaRPr dirty="0"/>
           </a:p>
         </p:txBody>
       </p:sp>

--- a/Credit Card Eligibility- Project 2 (1).pptx
+++ b/Credit Card Eligibility- Project 2 (1).pptx
@@ -5,7 +5,7 @@
     <p:sldMasterId id="2147483659" r:id="rId1"/>
   </p:sldMasterIdLst>
   <p:notesMasterIdLst>
-    <p:notesMasterId r:id="rId32"/>
+    <p:notesMasterId r:id="rId29"/>
   </p:notesMasterIdLst>
   <p:sldIdLst>
     <p:sldId id="256" r:id="rId2"/>
@@ -35,24 +35,21 @@
     <p:sldId id="280" r:id="rId26"/>
     <p:sldId id="281" r:id="rId27"/>
     <p:sldId id="282" r:id="rId28"/>
-    <p:sldId id="283" r:id="rId29"/>
-    <p:sldId id="284" r:id="rId30"/>
-    <p:sldId id="285" r:id="rId31"/>
   </p:sldIdLst>
   <p:sldSz cx="9144000" cy="5143500" type="screen16x9"/>
   <p:notesSz cx="6858000" cy="9144000"/>
   <p:embeddedFontLst>
     <p:embeddedFont>
       <p:font typeface="Roboto" panose="02000000000000000000" pitchFamily="2" charset="0"/>
-      <p:regular r:id="rId33"/>
-      <p:bold r:id="rId34"/>
-      <p:italic r:id="rId35"/>
-      <p:boldItalic r:id="rId36"/>
+      <p:regular r:id="rId30"/>
+      <p:bold r:id="rId31"/>
+      <p:italic r:id="rId32"/>
+      <p:boldItalic r:id="rId33"/>
     </p:embeddedFont>
     <p:embeddedFont>
       <p:font typeface="Roboto Slab" pitchFamily="2" charset="0"/>
-      <p:regular r:id="rId37"/>
-      <p:bold r:id="rId38"/>
+      <p:regular r:id="rId34"/>
+      <p:bold r:id="rId35"/>
     </p:embeddedFont>
   </p:embeddedFontLst>
   <p:defaultTextStyle>
@@ -1264,6 +1261,10 @@
               </a:spcAft>
               <a:buNone/>
             </a:pPr>
+            <a:r>
+              <a:rPr lang="en"/>
+              <a:t>Total income scale 1M</a:t>
+            </a:r>
             <a:endParaRPr/>
           </a:p>
         </p:txBody>
@@ -1607,7 +1608,7 @@
       </p:grpSpPr>
       <p:sp>
         <p:nvSpPr>
-          <p:cNvPr id="163" name="Google Shape;163;g2e440f5ca9d_0_30:notes"/>
+          <p:cNvPr id="163" name="Google Shape;163;g2e440f5ca9d_0_45:notes"/>
           <p:cNvSpPr>
             <a:spLocks noGrp="1" noRot="1" noChangeAspect="1"/>
           </p:cNvSpPr>
@@ -1648,7 +1649,7 @@
       </p:sp>
       <p:sp>
         <p:nvSpPr>
-          <p:cNvPr id="164" name="Google Shape;164;g2e440f5ca9d_0_30:notes"/>
+          <p:cNvPr id="164" name="Google Shape;164;g2e440f5ca9d_0_45:notes"/>
           <p:cNvSpPr txBox="1">
             <a:spLocks noGrp="1"/>
           </p:cNvSpPr>
@@ -1711,7 +1712,7 @@
       </p:grpSpPr>
       <p:sp>
         <p:nvSpPr>
-          <p:cNvPr id="170" name="Google Shape;170;g2e440f5ca9d_0_39:notes"/>
+          <p:cNvPr id="170" name="Google Shape;170;g2e440f5ca9d_0_51:notes"/>
           <p:cNvSpPr>
             <a:spLocks noGrp="1" noRot="1" noChangeAspect="1"/>
           </p:cNvSpPr>
@@ -1752,7 +1753,7 @@
       </p:sp>
       <p:sp>
         <p:nvSpPr>
-          <p:cNvPr id="171" name="Google Shape;171;g2e440f5ca9d_0_39:notes"/>
+          <p:cNvPr id="171" name="Google Shape;171;g2e440f5ca9d_0_51:notes"/>
           <p:cNvSpPr txBox="1">
             <a:spLocks noGrp="1"/>
           </p:cNvSpPr>
@@ -1815,7 +1816,7 @@
       </p:grpSpPr>
       <p:sp>
         <p:nvSpPr>
-          <p:cNvPr id="177" name="Google Shape;177;g2e440f5ca9d_0_45:notes"/>
+          <p:cNvPr id="177" name="Google Shape;177;g2e440f5ca9d_0_68:notes"/>
           <p:cNvSpPr>
             <a:spLocks noGrp="1" noRot="1" noChangeAspect="1"/>
           </p:cNvSpPr>
@@ -1856,7 +1857,7 @@
       </p:sp>
       <p:sp>
         <p:nvSpPr>
-          <p:cNvPr id="178" name="Google Shape;178;g2e440f5ca9d_0_45:notes"/>
+          <p:cNvPr id="178" name="Google Shape;178;g2e440f5ca9d_0_68:notes"/>
           <p:cNvSpPr txBox="1">
             <a:spLocks noGrp="1"/>
           </p:cNvSpPr>
@@ -2023,7 +2024,7 @@
       </p:grpSpPr>
       <p:sp>
         <p:nvSpPr>
-          <p:cNvPr id="184" name="Google Shape;184;g2e440f5ca9d_0_51:notes"/>
+          <p:cNvPr id="184" name="Google Shape;184;g2e440f5ca9d_0_74:notes"/>
           <p:cNvSpPr>
             <a:spLocks noGrp="1" noRot="1" noChangeAspect="1"/>
           </p:cNvSpPr>
@@ -2064,7 +2065,7 @@
       </p:sp>
       <p:sp>
         <p:nvSpPr>
-          <p:cNvPr id="185" name="Google Shape;185;g2e440f5ca9d_0_51:notes"/>
+          <p:cNvPr id="185" name="Google Shape;185;g2e440f5ca9d_0_74:notes"/>
           <p:cNvSpPr txBox="1">
             <a:spLocks noGrp="1"/>
           </p:cNvSpPr>
@@ -2127,7 +2128,7 @@
       </p:grpSpPr>
       <p:sp>
         <p:nvSpPr>
-          <p:cNvPr id="191" name="Google Shape;191;g2e440f5ca9d_0_60:notes"/>
+          <p:cNvPr id="191" name="Google Shape;191;g2e440f5ca9d_0_97:notes"/>
           <p:cNvSpPr>
             <a:spLocks noGrp="1" noRot="1" noChangeAspect="1"/>
           </p:cNvSpPr>
@@ -2168,7 +2169,7 @@
       </p:sp>
       <p:sp>
         <p:nvSpPr>
-          <p:cNvPr id="192" name="Google Shape;192;g2e440f5ca9d_0_60:notes"/>
+          <p:cNvPr id="192" name="Google Shape;192;g2e440f5ca9d_0_97:notes"/>
           <p:cNvSpPr txBox="1">
             <a:spLocks noGrp="1"/>
           </p:cNvSpPr>
@@ -2231,7 +2232,7 @@
       </p:grpSpPr>
       <p:sp>
         <p:nvSpPr>
-          <p:cNvPr id="198" name="Google Shape;198;g2e440f5ca9d_0_68:notes"/>
+          <p:cNvPr id="198" name="Google Shape;198;g2e440f5ca9d_0_108:notes"/>
           <p:cNvSpPr>
             <a:spLocks noGrp="1" noRot="1" noChangeAspect="1"/>
           </p:cNvSpPr>
@@ -2272,7 +2273,7 @@
       </p:sp>
       <p:sp>
         <p:nvSpPr>
-          <p:cNvPr id="199" name="Google Shape;199;g2e440f5ca9d_0_68:notes"/>
+          <p:cNvPr id="199" name="Google Shape;199;g2e440f5ca9d_0_108:notes"/>
           <p:cNvSpPr txBox="1">
             <a:spLocks noGrp="1"/>
           </p:cNvSpPr>
@@ -2335,7 +2336,7 @@
       </p:grpSpPr>
       <p:sp>
         <p:nvSpPr>
-          <p:cNvPr id="205" name="Google Shape;205;g2e440f5ca9d_0_74:notes"/>
+          <p:cNvPr id="205" name="Google Shape;205;g2e440f5ca9d_0_118:notes"/>
           <p:cNvSpPr>
             <a:spLocks noGrp="1" noRot="1" noChangeAspect="1"/>
           </p:cNvSpPr>
@@ -2376,7 +2377,7 @@
       </p:sp>
       <p:sp>
         <p:nvSpPr>
-          <p:cNvPr id="206" name="Google Shape;206;g2e440f5ca9d_0_74:notes"/>
+          <p:cNvPr id="206" name="Google Shape;206;g2e440f5ca9d_0_118:notes"/>
           <p:cNvSpPr txBox="1">
             <a:spLocks noGrp="1"/>
           </p:cNvSpPr>
@@ -2408,6 +2409,10 @@
               </a:spcAft>
               <a:buNone/>
             </a:pPr>
+            <a:r>
+              <a:rPr lang="en"/>
+              <a:t>Matt</a:t>
+            </a:r>
             <a:endParaRPr/>
           </a:p>
         </p:txBody>
@@ -2439,7 +2444,7 @@
       </p:grpSpPr>
       <p:sp>
         <p:nvSpPr>
-          <p:cNvPr id="212" name="Google Shape;212;g2e440f5ca9d_0_97:notes"/>
+          <p:cNvPr id="212" name="Google Shape;212;g2e33dfe44b5_0_749:notes"/>
           <p:cNvSpPr>
             <a:spLocks noGrp="1" noRot="1" noChangeAspect="1"/>
           </p:cNvSpPr>
@@ -2480,7 +2485,7 @@
       </p:sp>
       <p:sp>
         <p:nvSpPr>
-          <p:cNvPr id="213" name="Google Shape;213;g2e440f5ca9d_0_97:notes"/>
+          <p:cNvPr id="213" name="Google Shape;213;g2e33dfe44b5_0_749:notes"/>
           <p:cNvSpPr txBox="1">
             <a:spLocks noGrp="1"/>
           </p:cNvSpPr>
@@ -2512,6 +2517,10 @@
               </a:spcAft>
               <a:buNone/>
             </a:pPr>
+            <a:r>
+              <a:rPr lang="en"/>
+              <a:t>Jackie</a:t>
+            </a:r>
             <a:endParaRPr/>
           </a:p>
         </p:txBody>
@@ -2529,7 +2538,7 @@
   <p:cSld>
     <p:spTree>
       <p:nvGrpSpPr>
-        <p:cNvPr id="1" name="Shape 218"/>
+        <p:cNvPr id="1" name="Shape 217"/>
         <p:cNvGrpSpPr/>
         <p:nvPr/>
       </p:nvGrpSpPr>
@@ -2543,7 +2552,7 @@
       </p:grpSpPr>
       <p:sp>
         <p:nvSpPr>
-          <p:cNvPr id="219" name="Google Shape;219;g2e440f5ca9d_0_108:notes"/>
+          <p:cNvPr id="218" name="Google Shape;218;g2e33dfe44b5_0_724:notes"/>
           <p:cNvSpPr>
             <a:spLocks noGrp="1" noRot="1" noChangeAspect="1"/>
           </p:cNvSpPr>
@@ -2584,7 +2593,7 @@
       </p:sp>
       <p:sp>
         <p:nvSpPr>
-          <p:cNvPr id="220" name="Google Shape;220;g2e440f5ca9d_0_108:notes"/>
+          <p:cNvPr id="219" name="Google Shape;219;g2e33dfe44b5_0_724:notes"/>
           <p:cNvSpPr txBox="1">
             <a:spLocks noGrp="1"/>
           </p:cNvSpPr>
@@ -2616,7 +2625,48 @@
               </a:spcAft>
               <a:buNone/>
             </a:pPr>
-            <a:endParaRPr/>
+            <a:r>
+              <a:rPr lang="en" sz="1200">
+                <a:solidFill>
+                  <a:srgbClr val="4D5156"/>
+                </a:solidFill>
+                <a:latin typeface="Roboto"/>
+                <a:ea typeface="Roboto"/>
+                <a:cs typeface="Roboto"/>
+                <a:sym typeface="Roboto"/>
+              </a:rPr>
+              <a:t>One of the major disadvantages of grid search is that </a:t>
+            </a:r>
+            <a:r>
+              <a:rPr lang="en" sz="1200">
+                <a:solidFill>
+                  <a:srgbClr val="040C28"/>
+                </a:solidFill>
+                <a:latin typeface="Roboto"/>
+                <a:ea typeface="Roboto"/>
+                <a:cs typeface="Roboto"/>
+                <a:sym typeface="Roboto"/>
+              </a:rPr>
+              <a:t>it can be very time-consuming and computationally expensive</a:t>
+            </a:r>
+            <a:r>
+              <a:rPr lang="en" sz="1200">
+                <a:solidFill>
+                  <a:srgbClr val="4D5156"/>
+                </a:solidFill>
+                <a:latin typeface="Roboto"/>
+                <a:ea typeface="Roboto"/>
+                <a:cs typeface="Roboto"/>
+                <a:sym typeface="Roboto"/>
+              </a:rPr>
+              <a:t>,</a:t>
+            </a:r>
+            <a:endParaRPr>
+              <a:latin typeface="Roboto"/>
+              <a:ea typeface="Roboto"/>
+              <a:cs typeface="Roboto"/>
+              <a:sym typeface="Roboto"/>
+            </a:endParaRPr>
           </a:p>
         </p:txBody>
       </p:sp>
@@ -2633,7 +2683,7 @@
   <p:cSld>
     <p:spTree>
       <p:nvGrpSpPr>
-        <p:cNvPr id="1" name="Shape 225"/>
+        <p:cNvPr id="1" name="Shape 223"/>
         <p:cNvGrpSpPr/>
         <p:nvPr/>
       </p:nvGrpSpPr>
@@ -2647,7 +2697,7 @@
       </p:grpSpPr>
       <p:sp>
         <p:nvSpPr>
-          <p:cNvPr id="226" name="Google Shape;226;g2e440f5ca9d_0_118:notes"/>
+          <p:cNvPr id="224" name="Google Shape;224;g2e33dfe44b5_0_729:notes"/>
           <p:cNvSpPr>
             <a:spLocks noGrp="1" noRot="1" noChangeAspect="1"/>
           </p:cNvSpPr>
@@ -2688,7 +2738,7 @@
       </p:sp>
       <p:sp>
         <p:nvSpPr>
-          <p:cNvPr id="227" name="Google Shape;227;g2e440f5ca9d_0_118:notes"/>
+          <p:cNvPr id="225" name="Google Shape;225;g2e33dfe44b5_0_729:notes"/>
           <p:cNvSpPr txBox="1">
             <a:spLocks noGrp="1"/>
           </p:cNvSpPr>
@@ -2711,20 +2761,127 @@
           </a:bodyPr>
           <a:lstStyle/>
           <a:p>
-            <a:pPr marL="0" lvl="0" indent="0" algn="l" rtl="0">
-              <a:spcBef>
-                <a:spcPts val="0"/>
-              </a:spcBef>
-              <a:spcAft>
-                <a:spcPts val="0"/>
-              </a:spcAft>
-              <a:buNone/>
-            </a:pPr>
-            <a:r>
-              <a:rPr lang="en"/>
-              <a:t>Matt</a:t>
-            </a:r>
-            <a:endParaRPr/>
+            <a:pPr marL="457200" lvl="0" indent="-298450" algn="l" rtl="0">
+              <a:spcBef>
+                <a:spcPts val="0"/>
+              </a:spcBef>
+              <a:spcAft>
+                <a:spcPts val="0"/>
+              </a:spcAft>
+              <a:buSzPts val="1100"/>
+              <a:buFont typeface="Roboto"/>
+              <a:buChar char="●"/>
+            </a:pPr>
+            <a:r>
+              <a:rPr lang="en">
+                <a:solidFill>
+                  <a:srgbClr val="202124"/>
+                </a:solidFill>
+                <a:latin typeface="Roboto"/>
+                <a:ea typeface="Roboto"/>
+                <a:cs typeface="Roboto"/>
+                <a:sym typeface="Roboto"/>
+              </a:rPr>
+              <a:t>Ensemble learning combines multiple machine learning models into a single model. The aim is to increase the performance of the model. </a:t>
+            </a:r>
+            <a:r>
+              <a:rPr lang="en">
+                <a:solidFill>
+                  <a:srgbClr val="040C28"/>
+                </a:solidFill>
+                <a:latin typeface="Roboto"/>
+                <a:ea typeface="Roboto"/>
+                <a:cs typeface="Roboto"/>
+                <a:sym typeface="Roboto"/>
+              </a:rPr>
+              <a:t>Bagging aims to decrease variance, boosting aims to decrease bias</a:t>
+            </a:r>
+            <a:r>
+              <a:rPr lang="en">
+                <a:solidFill>
+                  <a:srgbClr val="202124"/>
+                </a:solidFill>
+                <a:latin typeface="Roboto"/>
+                <a:ea typeface="Roboto"/>
+                <a:cs typeface="Roboto"/>
+                <a:sym typeface="Roboto"/>
+              </a:rPr>
+              <a:t>, and stacking aims to improve prediction accuracy. Bagging and boosting combine homogenous weak learners.</a:t>
+            </a:r>
+            <a:endParaRPr sz="900">
+              <a:solidFill>
+                <a:schemeClr val="dk1"/>
+              </a:solidFill>
+              <a:latin typeface="Roboto"/>
+              <a:ea typeface="Roboto"/>
+              <a:cs typeface="Roboto"/>
+              <a:sym typeface="Roboto"/>
+            </a:endParaRPr>
+          </a:p>
+          <a:p>
+            <a:pPr marL="0" lvl="0" indent="0" algn="l" rtl="0">
+              <a:spcBef>
+                <a:spcPts val="0"/>
+              </a:spcBef>
+              <a:spcAft>
+                <a:spcPts val="0"/>
+              </a:spcAft>
+              <a:buNone/>
+            </a:pPr>
+            <a:endParaRPr>
+              <a:solidFill>
+                <a:schemeClr val="dk1"/>
+              </a:solidFill>
+              <a:latin typeface="Roboto"/>
+              <a:ea typeface="Roboto"/>
+              <a:cs typeface="Roboto"/>
+              <a:sym typeface="Roboto"/>
+            </a:endParaRPr>
+          </a:p>
+          <a:p>
+            <a:pPr marL="457200" lvl="0" indent="-298450" algn="l" rtl="0">
+              <a:spcBef>
+                <a:spcPts val="0"/>
+              </a:spcBef>
+              <a:spcAft>
+                <a:spcPts val="0"/>
+              </a:spcAft>
+              <a:buClr>
+                <a:schemeClr val="dk1"/>
+              </a:buClr>
+              <a:buSzPts val="1100"/>
+              <a:buFont typeface="Roboto"/>
+              <a:buChar char="●"/>
+            </a:pPr>
+            <a:r>
+              <a:rPr lang="en">
+                <a:solidFill>
+                  <a:schemeClr val="dk1"/>
+                </a:solidFill>
+                <a:latin typeface="Roboto"/>
+                <a:ea typeface="Roboto"/>
+                <a:cs typeface="Roboto"/>
+                <a:sym typeface="Roboto"/>
+              </a:rPr>
+              <a:t>Bayesian optimization is a sequential design strategy for global optimization of black-box functions that does not assume any functional forms. It is usually employed to optimize expensive-to-evaluate functions. &gt;&gt;&gt; is this optimization better than random search. </a:t>
+            </a:r>
+            <a:r>
+              <a:rPr lang="en" sz="1000">
+                <a:solidFill>
+                  <a:schemeClr val="dk1"/>
+                </a:solidFill>
+                <a:latin typeface="Roboto"/>
+                <a:ea typeface="Roboto"/>
+                <a:cs typeface="Roboto"/>
+                <a:sym typeface="Roboto"/>
+              </a:rPr>
+              <a:t>We can see that the bayesian search outperforms the other methods by a little. This effect is much more noticeable in larger datasets and more complex models</a:t>
+            </a:r>
+            <a:endParaRPr sz="700">
+              <a:solidFill>
+                <a:schemeClr val="dk1"/>
+              </a:solidFill>
+            </a:endParaRPr>
           </a:p>
         </p:txBody>
       </p:sp>
@@ -2741,7 +2898,7 @@
   <p:cSld>
     <p:spTree>
       <p:nvGrpSpPr>
-        <p:cNvPr id="1" name="Shape 232"/>
+        <p:cNvPr id="1" name="Shape 229"/>
         <p:cNvGrpSpPr/>
         <p:nvPr/>
       </p:nvGrpSpPr>
@@ -2755,7 +2912,7 @@
       </p:grpSpPr>
       <p:sp>
         <p:nvSpPr>
-          <p:cNvPr id="233" name="Google Shape;233;g2e33dfe44b5_0_749:notes"/>
+          <p:cNvPr id="230" name="Google Shape;230;g2e33dfe44b5_0_734:notes"/>
           <p:cNvSpPr>
             <a:spLocks noGrp="1" noRot="1" noChangeAspect="1"/>
           </p:cNvSpPr>
@@ -2796,7 +2953,7 @@
       </p:sp>
       <p:sp>
         <p:nvSpPr>
-          <p:cNvPr id="234" name="Google Shape;234;g2e33dfe44b5_0_749:notes"/>
+          <p:cNvPr id="231" name="Google Shape;231;g2e33dfe44b5_0_734:notes"/>
           <p:cNvSpPr txBox="1">
             <a:spLocks noGrp="1"/>
           </p:cNvSpPr>
@@ -2828,371 +2985,7 @@
               </a:spcAft>
               <a:buNone/>
             </a:pPr>
-            <a:r>
-              <a:rPr lang="en"/>
-              <a:t>Jackie</a:t>
-            </a:r>
             <a:endParaRPr/>
-          </a:p>
-        </p:txBody>
-      </p:sp>
-    </p:spTree>
-  </p:cSld>
-  <p:clrMapOvr>
-    <a:masterClrMapping/>
-  </p:clrMapOvr>
-</p:notes>
-</file>
-
-<file path=ppt/notesSlides/notesSlide28.xml><?xml version="1.0" encoding="utf-8"?>
-<p:notes xmlns:a="http://schemas.openxmlformats.org/drawingml/2006/main" xmlns:r="http://schemas.openxmlformats.org/officeDocument/2006/relationships" xmlns:p="http://schemas.openxmlformats.org/presentationml/2006/main" showMasterSp="0" showMasterPhAnim="0">
-  <p:cSld>
-    <p:spTree>
-      <p:nvGrpSpPr>
-        <p:cNvPr id="1" name="Shape 238"/>
-        <p:cNvGrpSpPr/>
-        <p:nvPr/>
-      </p:nvGrpSpPr>
-      <p:grpSpPr>
-        <a:xfrm>
-          <a:off x="0" y="0"/>
-          <a:ext cx="0" cy="0"/>
-          <a:chOff x="0" y="0"/>
-          <a:chExt cx="0" cy="0"/>
-        </a:xfrm>
-      </p:grpSpPr>
-      <p:sp>
-        <p:nvSpPr>
-          <p:cNvPr id="239" name="Google Shape;239;g2e33dfe44b5_0_724:notes"/>
-          <p:cNvSpPr>
-            <a:spLocks noGrp="1" noRot="1" noChangeAspect="1"/>
-          </p:cNvSpPr>
-          <p:nvPr>
-            <p:ph type="sldImg" idx="2"/>
-          </p:nvPr>
-        </p:nvSpPr>
-        <p:spPr>
-          <a:xfrm>
-            <a:off x="381300" y="685800"/>
-            <a:ext cx="6096000" cy="3429000"/>
-          </a:xfrm>
-          <a:custGeom>
-            <a:avLst/>
-            <a:gdLst/>
-            <a:ahLst/>
-            <a:cxnLst/>
-            <a:rect l="l" t="t" r="r" b="b"/>
-            <a:pathLst>
-              <a:path w="120000" h="120000" extrusionOk="0">
-                <a:moveTo>
-                  <a:pt x="0" y="0"/>
-                </a:moveTo>
-                <a:lnTo>
-                  <a:pt x="120000" y="0"/>
-                </a:lnTo>
-                <a:lnTo>
-                  <a:pt x="120000" y="120000"/>
-                </a:lnTo>
-                <a:lnTo>
-                  <a:pt x="0" y="120000"/>
-                </a:lnTo>
-                <a:close/>
-              </a:path>
-            </a:pathLst>
-          </a:custGeom>
-        </p:spPr>
-      </p:sp>
-      <p:sp>
-        <p:nvSpPr>
-          <p:cNvPr id="240" name="Google Shape;240;g2e33dfe44b5_0_724:notes"/>
-          <p:cNvSpPr txBox="1">
-            <a:spLocks noGrp="1"/>
-          </p:cNvSpPr>
-          <p:nvPr>
-            <p:ph type="body" idx="1"/>
-          </p:nvPr>
-        </p:nvSpPr>
-        <p:spPr>
-          <a:xfrm>
-            <a:off x="685800" y="4343400"/>
-            <a:ext cx="5486400" cy="4114800"/>
-          </a:xfrm>
-          <a:prstGeom prst="rect">
-            <a:avLst/>
-          </a:prstGeom>
-        </p:spPr>
-        <p:txBody>
-          <a:bodyPr spcFirstLastPara="1" wrap="square" lIns="91425" tIns="91425" rIns="91425" bIns="91425" anchor="t" anchorCtr="0">
-            <a:noAutofit/>
-          </a:bodyPr>
-          <a:lstStyle/>
-          <a:p>
-            <a:pPr marL="0" lvl="0" indent="0" algn="l" rtl="0">
-              <a:spcBef>
-                <a:spcPts val="0"/>
-              </a:spcBef>
-              <a:spcAft>
-                <a:spcPts val="0"/>
-              </a:spcAft>
-              <a:buNone/>
-            </a:pPr>
-            <a:r>
-              <a:rPr lang="en" sz="1200">
-                <a:solidFill>
-                  <a:srgbClr val="4D5156"/>
-                </a:solidFill>
-                <a:latin typeface="Roboto"/>
-                <a:ea typeface="Roboto"/>
-                <a:cs typeface="Roboto"/>
-                <a:sym typeface="Roboto"/>
-              </a:rPr>
-              <a:t>One of the major disadvantages of grid search is that </a:t>
-            </a:r>
-            <a:r>
-              <a:rPr lang="en" sz="1200">
-                <a:solidFill>
-                  <a:srgbClr val="040C28"/>
-                </a:solidFill>
-                <a:latin typeface="Roboto"/>
-                <a:ea typeface="Roboto"/>
-                <a:cs typeface="Roboto"/>
-                <a:sym typeface="Roboto"/>
-              </a:rPr>
-              <a:t>it can be very time-consuming and computationally expensive</a:t>
-            </a:r>
-            <a:r>
-              <a:rPr lang="en" sz="1200">
-                <a:solidFill>
-                  <a:srgbClr val="4D5156"/>
-                </a:solidFill>
-                <a:latin typeface="Roboto"/>
-                <a:ea typeface="Roboto"/>
-                <a:cs typeface="Roboto"/>
-                <a:sym typeface="Roboto"/>
-              </a:rPr>
-              <a:t>,</a:t>
-            </a:r>
-            <a:endParaRPr>
-              <a:latin typeface="Roboto"/>
-              <a:ea typeface="Roboto"/>
-              <a:cs typeface="Roboto"/>
-              <a:sym typeface="Roboto"/>
-            </a:endParaRPr>
-          </a:p>
-        </p:txBody>
-      </p:sp>
-    </p:spTree>
-  </p:cSld>
-  <p:clrMapOvr>
-    <a:masterClrMapping/>
-  </p:clrMapOvr>
-</p:notes>
-</file>
-
-<file path=ppt/notesSlides/notesSlide29.xml><?xml version="1.0" encoding="utf-8"?>
-<p:notes xmlns:a="http://schemas.openxmlformats.org/drawingml/2006/main" xmlns:r="http://schemas.openxmlformats.org/officeDocument/2006/relationships" xmlns:p="http://schemas.openxmlformats.org/presentationml/2006/main" showMasterSp="0" showMasterPhAnim="0">
-  <p:cSld>
-    <p:spTree>
-      <p:nvGrpSpPr>
-        <p:cNvPr id="1" name="Shape 244"/>
-        <p:cNvGrpSpPr/>
-        <p:nvPr/>
-      </p:nvGrpSpPr>
-      <p:grpSpPr>
-        <a:xfrm>
-          <a:off x="0" y="0"/>
-          <a:ext cx="0" cy="0"/>
-          <a:chOff x="0" y="0"/>
-          <a:chExt cx="0" cy="0"/>
-        </a:xfrm>
-      </p:grpSpPr>
-      <p:sp>
-        <p:nvSpPr>
-          <p:cNvPr id="245" name="Google Shape;245;g2e33dfe44b5_0_729:notes"/>
-          <p:cNvSpPr>
-            <a:spLocks noGrp="1" noRot="1" noChangeAspect="1"/>
-          </p:cNvSpPr>
-          <p:nvPr>
-            <p:ph type="sldImg" idx="2"/>
-          </p:nvPr>
-        </p:nvSpPr>
-        <p:spPr>
-          <a:xfrm>
-            <a:off x="381300" y="685800"/>
-            <a:ext cx="6096000" cy="3429000"/>
-          </a:xfrm>
-          <a:custGeom>
-            <a:avLst/>
-            <a:gdLst/>
-            <a:ahLst/>
-            <a:cxnLst/>
-            <a:rect l="l" t="t" r="r" b="b"/>
-            <a:pathLst>
-              <a:path w="120000" h="120000" extrusionOk="0">
-                <a:moveTo>
-                  <a:pt x="0" y="0"/>
-                </a:moveTo>
-                <a:lnTo>
-                  <a:pt x="120000" y="0"/>
-                </a:lnTo>
-                <a:lnTo>
-                  <a:pt x="120000" y="120000"/>
-                </a:lnTo>
-                <a:lnTo>
-                  <a:pt x="0" y="120000"/>
-                </a:lnTo>
-                <a:close/>
-              </a:path>
-            </a:pathLst>
-          </a:custGeom>
-        </p:spPr>
-      </p:sp>
-      <p:sp>
-        <p:nvSpPr>
-          <p:cNvPr id="246" name="Google Shape;246;g2e33dfe44b5_0_729:notes"/>
-          <p:cNvSpPr txBox="1">
-            <a:spLocks noGrp="1"/>
-          </p:cNvSpPr>
-          <p:nvPr>
-            <p:ph type="body" idx="1"/>
-          </p:nvPr>
-        </p:nvSpPr>
-        <p:spPr>
-          <a:xfrm>
-            <a:off x="685800" y="4343400"/>
-            <a:ext cx="5486400" cy="4114800"/>
-          </a:xfrm>
-          <a:prstGeom prst="rect">
-            <a:avLst/>
-          </a:prstGeom>
-        </p:spPr>
-        <p:txBody>
-          <a:bodyPr spcFirstLastPara="1" wrap="square" lIns="91425" tIns="91425" rIns="91425" bIns="91425" anchor="t" anchorCtr="0">
-            <a:noAutofit/>
-          </a:bodyPr>
-          <a:lstStyle/>
-          <a:p>
-            <a:pPr marL="457200" lvl="0" indent="-298450" algn="l" rtl="0">
-              <a:spcBef>
-                <a:spcPts val="0"/>
-              </a:spcBef>
-              <a:spcAft>
-                <a:spcPts val="0"/>
-              </a:spcAft>
-              <a:buSzPts val="1100"/>
-              <a:buFont typeface="Roboto"/>
-              <a:buChar char="●"/>
-            </a:pPr>
-            <a:r>
-              <a:rPr lang="en">
-                <a:solidFill>
-                  <a:srgbClr val="202124"/>
-                </a:solidFill>
-                <a:latin typeface="Roboto"/>
-                <a:ea typeface="Roboto"/>
-                <a:cs typeface="Roboto"/>
-                <a:sym typeface="Roboto"/>
-              </a:rPr>
-              <a:t>Ensemble learning combines multiple machine learning models into a single model. The aim is to increase the performance of the model. </a:t>
-            </a:r>
-            <a:r>
-              <a:rPr lang="en">
-                <a:solidFill>
-                  <a:srgbClr val="040C28"/>
-                </a:solidFill>
-                <a:latin typeface="Roboto"/>
-                <a:ea typeface="Roboto"/>
-                <a:cs typeface="Roboto"/>
-                <a:sym typeface="Roboto"/>
-              </a:rPr>
-              <a:t>Bagging aims to decrease variance, boosting aims to decrease bias</a:t>
-            </a:r>
-            <a:r>
-              <a:rPr lang="en">
-                <a:solidFill>
-                  <a:srgbClr val="202124"/>
-                </a:solidFill>
-                <a:latin typeface="Roboto"/>
-                <a:ea typeface="Roboto"/>
-                <a:cs typeface="Roboto"/>
-                <a:sym typeface="Roboto"/>
-              </a:rPr>
-              <a:t>, and stacking aims to improve prediction accuracy. Bagging and boosting combine homogenous weak learners.</a:t>
-            </a:r>
-            <a:endParaRPr sz="900">
-              <a:solidFill>
-                <a:schemeClr val="dk1"/>
-              </a:solidFill>
-              <a:latin typeface="Roboto"/>
-              <a:ea typeface="Roboto"/>
-              <a:cs typeface="Roboto"/>
-              <a:sym typeface="Roboto"/>
-            </a:endParaRPr>
-          </a:p>
-          <a:p>
-            <a:pPr marL="0" lvl="0" indent="0" algn="l" rtl="0">
-              <a:spcBef>
-                <a:spcPts val="0"/>
-              </a:spcBef>
-              <a:spcAft>
-                <a:spcPts val="0"/>
-              </a:spcAft>
-              <a:buNone/>
-            </a:pPr>
-            <a:endParaRPr>
-              <a:solidFill>
-                <a:schemeClr val="dk1"/>
-              </a:solidFill>
-              <a:latin typeface="Roboto"/>
-              <a:ea typeface="Roboto"/>
-              <a:cs typeface="Roboto"/>
-              <a:sym typeface="Roboto"/>
-            </a:endParaRPr>
-          </a:p>
-          <a:p>
-            <a:pPr marL="457200" lvl="0" indent="-298450" algn="l" rtl="0">
-              <a:spcBef>
-                <a:spcPts val="0"/>
-              </a:spcBef>
-              <a:spcAft>
-                <a:spcPts val="0"/>
-              </a:spcAft>
-              <a:buClr>
-                <a:schemeClr val="dk1"/>
-              </a:buClr>
-              <a:buSzPts val="1100"/>
-              <a:buFont typeface="Roboto"/>
-              <a:buChar char="●"/>
-            </a:pPr>
-            <a:r>
-              <a:rPr lang="en">
-                <a:solidFill>
-                  <a:schemeClr val="dk1"/>
-                </a:solidFill>
-                <a:latin typeface="Roboto"/>
-                <a:ea typeface="Roboto"/>
-                <a:cs typeface="Roboto"/>
-                <a:sym typeface="Roboto"/>
-              </a:rPr>
-              <a:t>Bayesian optimization is a sequential design strategy for global optimization of black-box functions that does not assume any functional forms. It is usually employed to optimize expensive-to-evaluate functions. &gt;&gt;&gt; is this optimization better than random search. </a:t>
-            </a:r>
-            <a:r>
-              <a:rPr lang="en" sz="1000">
-                <a:solidFill>
-                  <a:schemeClr val="dk1"/>
-                </a:solidFill>
-                <a:latin typeface="Roboto"/>
-                <a:ea typeface="Roboto"/>
-                <a:cs typeface="Roboto"/>
-                <a:sym typeface="Roboto"/>
-              </a:rPr>
-              <a:t>We can see that the bayesian search outperforms the other methods by a little. This effect is much more noticeable in larger datasets and more complex models</a:t>
-            </a:r>
-            <a:endParaRPr sz="700">
-              <a:solidFill>
-                <a:schemeClr val="dk1"/>
-              </a:solidFill>
-            </a:endParaRPr>
           </a:p>
         </p:txBody>
       </p:sp>
@@ -3308,110 +3101,6 @@
 </p:notes>
 </file>
 
-<file path=ppt/notesSlides/notesSlide30.xml><?xml version="1.0" encoding="utf-8"?>
-<p:notes xmlns:a="http://schemas.openxmlformats.org/drawingml/2006/main" xmlns:r="http://schemas.openxmlformats.org/officeDocument/2006/relationships" xmlns:p="http://schemas.openxmlformats.org/presentationml/2006/main" showMasterSp="0" showMasterPhAnim="0">
-  <p:cSld>
-    <p:spTree>
-      <p:nvGrpSpPr>
-        <p:cNvPr id="1" name="Shape 250"/>
-        <p:cNvGrpSpPr/>
-        <p:nvPr/>
-      </p:nvGrpSpPr>
-      <p:grpSpPr>
-        <a:xfrm>
-          <a:off x="0" y="0"/>
-          <a:ext cx="0" cy="0"/>
-          <a:chOff x="0" y="0"/>
-          <a:chExt cx="0" cy="0"/>
-        </a:xfrm>
-      </p:grpSpPr>
-      <p:sp>
-        <p:nvSpPr>
-          <p:cNvPr id="251" name="Google Shape;251;g2e33dfe44b5_0_734:notes"/>
-          <p:cNvSpPr>
-            <a:spLocks noGrp="1" noRot="1" noChangeAspect="1"/>
-          </p:cNvSpPr>
-          <p:nvPr>
-            <p:ph type="sldImg" idx="2"/>
-          </p:nvPr>
-        </p:nvSpPr>
-        <p:spPr>
-          <a:xfrm>
-            <a:off x="381300" y="685800"/>
-            <a:ext cx="6096000" cy="3429000"/>
-          </a:xfrm>
-          <a:custGeom>
-            <a:avLst/>
-            <a:gdLst/>
-            <a:ahLst/>
-            <a:cxnLst/>
-            <a:rect l="l" t="t" r="r" b="b"/>
-            <a:pathLst>
-              <a:path w="120000" h="120000" extrusionOk="0">
-                <a:moveTo>
-                  <a:pt x="0" y="0"/>
-                </a:moveTo>
-                <a:lnTo>
-                  <a:pt x="120000" y="0"/>
-                </a:lnTo>
-                <a:lnTo>
-                  <a:pt x="120000" y="120000"/>
-                </a:lnTo>
-                <a:lnTo>
-                  <a:pt x="0" y="120000"/>
-                </a:lnTo>
-                <a:close/>
-              </a:path>
-            </a:pathLst>
-          </a:custGeom>
-        </p:spPr>
-      </p:sp>
-      <p:sp>
-        <p:nvSpPr>
-          <p:cNvPr id="252" name="Google Shape;252;g2e33dfe44b5_0_734:notes"/>
-          <p:cNvSpPr txBox="1">
-            <a:spLocks noGrp="1"/>
-          </p:cNvSpPr>
-          <p:nvPr>
-            <p:ph type="body" idx="1"/>
-          </p:nvPr>
-        </p:nvSpPr>
-        <p:spPr>
-          <a:xfrm>
-            <a:off x="685800" y="4343400"/>
-            <a:ext cx="5486400" cy="4114800"/>
-          </a:xfrm>
-          <a:prstGeom prst="rect">
-            <a:avLst/>
-          </a:prstGeom>
-        </p:spPr>
-        <p:txBody>
-          <a:bodyPr spcFirstLastPara="1" wrap="square" lIns="91425" tIns="91425" rIns="91425" bIns="91425" anchor="t" anchorCtr="0">
-            <a:noAutofit/>
-          </a:bodyPr>
-          <a:lstStyle/>
-          <a:p>
-            <a:pPr marL="0" lvl="0" indent="0" algn="l" rtl="0">
-              <a:spcBef>
-                <a:spcPts val="0"/>
-              </a:spcBef>
-              <a:spcAft>
-                <a:spcPts val="0"/>
-              </a:spcAft>
-              <a:buNone/>
-            </a:pPr>
-            <a:endParaRPr/>
-          </a:p>
-        </p:txBody>
-      </p:sp>
-    </p:spTree>
-  </p:cSld>
-  <p:clrMapOvr>
-    <a:masterClrMapping/>
-  </p:clrMapOvr>
-</p:notes>
-</file>
-
 <file path=ppt/notesSlides/notesSlide4.xml><?xml version="1.0" encoding="utf-8"?>
 <p:notes xmlns:a="http://schemas.openxmlformats.org/drawingml/2006/main" xmlns:r="http://schemas.openxmlformats.org/officeDocument/2006/relationships" xmlns:p="http://schemas.openxmlformats.org/presentationml/2006/main" showMasterSp="0" showMasterPhAnim="0">
   <p:cSld>
@@ -3545,7 +3234,7 @@
         </p:nvSpPr>
         <p:spPr>
           <a:xfrm>
-            <a:off x="381000" y="685800"/>
+            <a:off x="381300" y="685800"/>
             <a:ext cx="6096000" cy="3429000"/>
           </a:xfrm>
           <a:custGeom>
@@ -10641,7 +10330,7 @@
             </a:pPr>
             <a:r>
               <a:rPr lang="en"/>
-              <a:t>Standard Scaler : This once of the important transformation for feature scaling</a:t>
+              <a:t>Standard Scaler : This one of the important transformation for feature scaling</a:t>
             </a:r>
             <a:endParaRPr/>
           </a:p>
@@ -10777,7 +10466,7 @@
         </p:nvSpPr>
         <p:spPr>
           <a:xfrm>
-            <a:off x="307550" y="967450"/>
+            <a:off x="307550" y="891250"/>
             <a:ext cx="3313500" cy="3921600"/>
           </a:xfrm>
           <a:prstGeom prst="rect">
@@ -11805,11 +11494,11 @@
                   <a:schemeClr val="accent6"/>
                 </a:solidFill>
               </a:rPr>
-              <a:t>accuracy                           0.56   </a:t>
+              <a:t>accuracy                           0.57   </a:t>
             </a:r>
             <a:r>
               <a:rPr lang="en" sz="6200"/>
-              <a:t>   	     1883</a:t>
+              <a:t>             1883</a:t>
             </a:r>
             <a:endParaRPr sz="6200"/>
           </a:p>
@@ -11956,7 +11645,7 @@
                 <a:cs typeface="Roboto"/>
                 <a:sym typeface="Roboto"/>
               </a:rPr>
-              <a:t>Support Vector Machine :  </a:t>
+              <a:t>Decision Tree Classifier</a:t>
             </a:r>
             <a:endParaRPr/>
           </a:p>
@@ -11983,7 +11672,7 @@
         </p:spPr>
         <p:txBody>
           <a:bodyPr spcFirstLastPara="1" wrap="square" lIns="91425" tIns="91425" rIns="91425" bIns="91425" anchor="t" anchorCtr="0">
-            <a:normAutofit lnSpcReduction="10000"/>
+            <a:normAutofit lnSpcReduction="20000"/>
           </a:bodyPr>
           <a:lstStyle/>
           <a:p>
@@ -12017,7 +11706,7 @@
             </a:pPr>
             <a:r>
               <a:rPr lang="en" sz="1500"/>
-              <a:t>(kernel='poly')</a:t>
+              <a:t>(max_depth=6)</a:t>
             </a:r>
             <a:endParaRPr sz="1000">
               <a:solidFill>
@@ -12028,6 +11717,21 @@
               <a:cs typeface="Arial"/>
               <a:sym typeface="Arial"/>
             </a:endParaRPr>
+          </a:p>
+          <a:p>
+            <a:pPr marL="0" lvl="0" indent="0" algn="l" rtl="0">
+              <a:lnSpc>
+                <a:spcPct val="110795"/>
+              </a:lnSpc>
+              <a:spcBef>
+                <a:spcPts val="0"/>
+              </a:spcBef>
+              <a:spcAft>
+                <a:spcPts val="0"/>
+              </a:spcAft>
+              <a:buNone/>
+            </a:pPr>
+            <a:endParaRPr sz="1500"/>
           </a:p>
           <a:p>
             <a:pPr marL="0" lvl="0" indent="0" algn="l" rtl="0">
@@ -12120,7 +11824,7 @@
             <a:endParaRPr sz="6200"/>
           </a:p>
           <a:p>
-            <a:pPr marL="457200" lvl="0" indent="457200" algn="l" rtl="0">
+            <a:pPr marL="0" lvl="0" indent="0" algn="l" rtl="0">
               <a:spcBef>
                 <a:spcPts val="1200"/>
               </a:spcBef>
@@ -12131,7 +11835,7 @@
             </a:pPr>
             <a:r>
               <a:rPr lang="en" sz="6200"/>
-              <a:t>precision    recall  f1-score   support</a:t>
+              <a:t> 		 precision    recall  f1-score   support</a:t>
             </a:r>
             <a:endParaRPr sz="6200"/>
           </a:p>
@@ -12147,7 +11851,7 @@
             </a:pPr>
             <a:r>
               <a:rPr lang="en" sz="6200"/>
-              <a:t>           1      	 0.15      0.52      0.23       234</a:t>
+              <a:t>           1       	0.14     0.57      0.22       234</a:t>
             </a:r>
             <a:endParaRPr sz="6200"/>
           </a:p>
@@ -12163,7 +11867,7 @@
             </a:pPr>
             <a:r>
               <a:rPr lang="en" sz="6200"/>
-              <a:t>           0      	 0.90      0.58      0.71      1649</a:t>
+              <a:t>           0       	0.89      0.49      0.63      1649</a:t>
             </a:r>
             <a:endParaRPr sz="6200"/>
           </a:p>
@@ -12179,7 +11883,7 @@
             </a:pPr>
             <a:r>
               <a:rPr lang="en" sz="6200"/>
-              <a:t>    </a:t>
+              <a:t>  </a:t>
             </a:r>
             <a:r>
               <a:rPr lang="en" sz="6200">
@@ -12187,11 +11891,11 @@
                   <a:schemeClr val="accent6"/>
                 </a:solidFill>
               </a:rPr>
-              <a:t>accuracy                           0.57   </a:t>
+              <a:t>  accuracy                           0.50 </a:t>
             </a:r>
             <a:r>
               <a:rPr lang="en" sz="6200"/>
-              <a:t>             1883</a:t>
+              <a:t>     	     1883</a:t>
             </a:r>
             <a:endParaRPr sz="6200"/>
           </a:p>
@@ -12207,7 +11911,7 @@
             </a:pPr>
             <a:r>
               <a:rPr lang="en" sz="6200"/>
-              <a:t>   macro avg       0.52      0.55      0.47      1883</a:t>
+              <a:t>   macro avg       0.51      0.53      0.43      1883</a:t>
             </a:r>
             <a:endParaRPr sz="6200"/>
           </a:p>
@@ -12223,8 +11927,20 @@
             </a:pPr>
             <a:r>
               <a:rPr lang="en" sz="6200"/>
-              <a:t>weighted avg      0.80      0.57      0.65      1883</a:t>
-            </a:r>
+              <a:t>weighted avg      0.80      0.50      0.58     1883</a:t>
+            </a:r>
+            <a:endParaRPr sz="6200"/>
+          </a:p>
+          <a:p>
+            <a:pPr marL="0" lvl="0" indent="0" algn="l" rtl="0">
+              <a:spcBef>
+                <a:spcPts val="1200"/>
+              </a:spcBef>
+              <a:spcAft>
+                <a:spcPts val="0"/>
+              </a:spcAft>
+              <a:buNone/>
+            </a:pPr>
             <a:endParaRPr sz="6200"/>
           </a:p>
           <a:p>
@@ -12338,7 +12054,7 @@
                 <a:cs typeface="Roboto"/>
                 <a:sym typeface="Roboto"/>
               </a:rPr>
-              <a:t>Support Vector Machine :  </a:t>
+              <a:t>Gradient Booster Classifier - GridSearchCV</a:t>
             </a:r>
             <a:endParaRPr/>
           </a:p>
@@ -12365,7 +12081,7 @@
         </p:spPr>
         <p:txBody>
           <a:bodyPr spcFirstLastPara="1" wrap="square" lIns="91425" tIns="91425" rIns="91425" bIns="91425" anchor="t" anchorCtr="0">
-            <a:normAutofit lnSpcReduction="10000"/>
+            <a:normAutofit fontScale="25000" lnSpcReduction="20000"/>
           </a:bodyPr>
           <a:lstStyle/>
           <a:p>
@@ -12379,61 +12095,58 @@
               <a:buNone/>
             </a:pPr>
             <a:r>
-              <a:rPr lang="en" sz="1500"/>
-              <a:t>Parameter</a:t>
-            </a:r>
-            <a:endParaRPr sz="1500"/>
-          </a:p>
-          <a:p>
-            <a:pPr marL="0" lvl="0" indent="0" algn="l" rtl="0">
-              <a:lnSpc>
-                <a:spcPct val="110795"/>
-              </a:lnSpc>
-              <a:spcBef>
-                <a:spcPts val="1200"/>
-              </a:spcBef>
-              <a:spcAft>
-                <a:spcPts val="0"/>
-              </a:spcAft>
-              <a:buNone/>
-            </a:pPr>
-            <a:r>
-              <a:rPr lang="en" sz="1500"/>
-              <a:t>(kernel='poly')</a:t>
-            </a:r>
-            <a:endParaRPr sz="1000">
-              <a:solidFill>
-                <a:srgbClr val="212121"/>
-              </a:solidFill>
-              <a:latin typeface="Arial"/>
-              <a:ea typeface="Arial"/>
-              <a:cs typeface="Arial"/>
-              <a:sym typeface="Arial"/>
-            </a:endParaRPr>
-          </a:p>
-          <a:p>
-            <a:pPr marL="0" lvl="0" indent="0" algn="l" rtl="0">
-              <a:spcBef>
-                <a:spcPts val="0"/>
-              </a:spcBef>
-              <a:spcAft>
-                <a:spcPts val="0"/>
-              </a:spcAft>
-              <a:buNone/>
-            </a:pPr>
-            <a:endParaRPr sz="1500"/>
-          </a:p>
-          <a:p>
-            <a:pPr marL="0" lvl="0" indent="0" algn="l" rtl="0">
-              <a:spcBef>
-                <a:spcPts val="1200"/>
-              </a:spcBef>
-              <a:spcAft>
-                <a:spcPts val="0"/>
-              </a:spcAft>
-              <a:buNone/>
-            </a:pPr>
-            <a:endParaRPr sz="3500"/>
+              <a:rPr lang="en" sz="6000"/>
+              <a:t>Parameters</a:t>
+            </a:r>
+            <a:endParaRPr sz="6000"/>
+          </a:p>
+          <a:p>
+            <a:pPr marL="0" lvl="0" indent="0" algn="l" rtl="0">
+              <a:spcBef>
+                <a:spcPts val="1200"/>
+              </a:spcBef>
+              <a:spcAft>
+                <a:spcPts val="0"/>
+              </a:spcAft>
+              <a:buNone/>
+            </a:pPr>
+            <a:r>
+              <a:rPr lang="en" sz="6000"/>
+              <a:t>param_grid = { 'n_estimators': [100, 200, 300],   'max_depth': [None, 10, 20, 30],   'min_samples_split': [2, 5, 10],   'min_samples_leaf': [1, 2, 4] }</a:t>
+            </a:r>
+            <a:endParaRPr sz="6000"/>
+          </a:p>
+          <a:p>
+            <a:pPr marL="0" lvl="0" indent="0" algn="l" rtl="0">
+              <a:spcBef>
+                <a:spcPts val="1200"/>
+              </a:spcBef>
+              <a:spcAft>
+                <a:spcPts val="0"/>
+              </a:spcAft>
+              <a:buNone/>
+            </a:pPr>
+            <a:r>
+              <a:rPr lang="en" sz="6000"/>
+              <a:t>GridSearchCV(estimator=RandomForestClassifier(random_state=42),</a:t>
+            </a:r>
+            <a:endParaRPr sz="6000"/>
+          </a:p>
+          <a:p>
+            <a:pPr marL="0" lvl="0" indent="0" algn="l" rtl="0">
+              <a:spcBef>
+                <a:spcPts val="1200"/>
+              </a:spcBef>
+              <a:spcAft>
+                <a:spcPts val="0"/>
+              </a:spcAft>
+              <a:buNone/>
+            </a:pPr>
+            <a:r>
+              <a:rPr lang="en" sz="6000"/>
+              <a:t>                           </a:t>
+            </a:r>
+            <a:endParaRPr sz="2700"/>
           </a:p>
           <a:p>
             <a:pPr marL="0" lvl="0" indent="0" algn="l" rtl="0">
@@ -12502,7 +12215,7 @@
             <a:endParaRPr sz="6200"/>
           </a:p>
           <a:p>
-            <a:pPr marL="457200" lvl="0" indent="457200" algn="l" rtl="0">
+            <a:pPr marL="0" lvl="0" indent="0" algn="l" rtl="0">
               <a:spcBef>
                 <a:spcPts val="1200"/>
               </a:spcBef>
@@ -12513,12 +12226,12 @@
             </a:pPr>
             <a:r>
               <a:rPr lang="en" sz="6200"/>
-              <a:t>precision    recall  f1-score   support</a:t>
+              <a:t>         		precision    recall  f1-score   support</a:t>
             </a:r>
             <a:endParaRPr sz="6200"/>
           </a:p>
           <a:p>
-            <a:pPr marL="0" lvl="0" indent="0" algn="l" rtl="0">
+            <a:pPr marL="0" lvl="0" indent="457200" algn="l" rtl="0">
               <a:spcBef>
                 <a:spcPts val="1200"/>
               </a:spcBef>
@@ -12529,7 +12242,7 @@
             </a:pPr>
             <a:r>
               <a:rPr lang="en" sz="6200"/>
-              <a:t>           1      	 0.15      0.52      0.23       234</a:t>
+              <a:t>1     	    1.00      	 0.00      0.01       	234</a:t>
             </a:r>
             <a:endParaRPr sz="6200"/>
           </a:p>
@@ -12545,7 +12258,7 @@
             </a:pPr>
             <a:r>
               <a:rPr lang="en" sz="6200"/>
-              <a:t>           0      	 0.90      0.58      0.71      1649</a:t>
+              <a:t> 	0      	    0.88      	 1.00      0.93             1649</a:t>
             </a:r>
             <a:endParaRPr sz="6200"/>
           </a:p>
@@ -12561,7 +12274,7 @@
             </a:pPr>
             <a:r>
               <a:rPr lang="en" sz="6200"/>
-              <a:t>    </a:t>
+              <a:t>        </a:t>
             </a:r>
             <a:r>
               <a:rPr lang="en" sz="6200">
@@ -12569,11 +12282,11 @@
                   <a:schemeClr val="accent6"/>
                 </a:solidFill>
               </a:rPr>
-              <a:t>accuracy                           0.57   </a:t>
+              <a:t>accuracy                           0.88        </a:t>
             </a:r>
             <a:r>
               <a:rPr lang="en" sz="6200"/>
-              <a:t>             1883</a:t>
+              <a:t>      1883</a:t>
             </a:r>
             <a:endParaRPr sz="6200"/>
           </a:p>
@@ -12589,7 +12302,7 @@
             </a:pPr>
             <a:r>
               <a:rPr lang="en" sz="6200"/>
-              <a:t>   macro avg       0.52      0.55      0.47      1883</a:t>
+              <a:t>   macro avg   0.94      0.50      0.47             1883</a:t>
             </a:r>
             <a:endParaRPr sz="6200"/>
           </a:p>
@@ -12605,8 +12318,56 @@
             </a:pPr>
             <a:r>
               <a:rPr lang="en" sz="6200"/>
-              <a:t>weighted avg      0.80      0.57      0.65      1883</a:t>
-            </a:r>
+              <a:t>weighted avg  0.89      0.88      0.82            1883</a:t>
+            </a:r>
+            <a:endParaRPr sz="6200"/>
+          </a:p>
+          <a:p>
+            <a:pPr marL="0" lvl="0" indent="0" algn="l" rtl="0">
+              <a:spcBef>
+                <a:spcPts val="1200"/>
+              </a:spcBef>
+              <a:spcAft>
+                <a:spcPts val="0"/>
+              </a:spcAft>
+              <a:buNone/>
+            </a:pPr>
+            <a:endParaRPr sz="6200"/>
+          </a:p>
+          <a:p>
+            <a:pPr marL="0" lvl="0" indent="0" algn="l" rtl="0">
+              <a:spcBef>
+                <a:spcPts val="1200"/>
+              </a:spcBef>
+              <a:spcAft>
+                <a:spcPts val="0"/>
+              </a:spcAft>
+              <a:buNone/>
+            </a:pPr>
+            <a:endParaRPr sz="6200"/>
+          </a:p>
+          <a:p>
+            <a:pPr marL="0" lvl="0" indent="0" algn="l" rtl="0">
+              <a:spcBef>
+                <a:spcPts val="1200"/>
+              </a:spcBef>
+              <a:spcAft>
+                <a:spcPts val="0"/>
+              </a:spcAft>
+              <a:buNone/>
+            </a:pPr>
+            <a:endParaRPr sz="6200"/>
+          </a:p>
+          <a:p>
+            <a:pPr marL="0" lvl="0" indent="0" algn="l" rtl="0">
+              <a:spcBef>
+                <a:spcPts val="1200"/>
+              </a:spcBef>
+              <a:spcAft>
+                <a:spcPts val="0"/>
+              </a:spcAft>
+              <a:buNone/>
+            </a:pPr>
             <a:endParaRPr sz="6200"/>
           </a:p>
           <a:p>
@@ -12857,7 +12618,7 @@
                 <a:cs typeface="Roboto"/>
                 <a:sym typeface="Roboto"/>
               </a:rPr>
-              <a:t>Decision Tree Classifier</a:t>
+              <a:t>Random Forest Classifier - GridSerachCV</a:t>
             </a:r>
             <a:endParaRPr/>
           </a:p>
@@ -12884,7 +12645,7 @@
         </p:spPr>
         <p:txBody>
           <a:bodyPr spcFirstLastPara="1" wrap="square" lIns="91425" tIns="91425" rIns="91425" bIns="91425" anchor="t" anchorCtr="0">
-            <a:normAutofit lnSpcReduction="20000"/>
+            <a:normAutofit fontScale="55000" lnSpcReduction="20000"/>
           </a:bodyPr>
           <a:lstStyle/>
           <a:p>
@@ -12898,10 +12659,10 @@
               <a:buNone/>
             </a:pPr>
             <a:r>
-              <a:rPr lang="en" sz="1500"/>
-              <a:t>Parameter</a:t>
-            </a:r>
-            <a:endParaRPr sz="1500"/>
+              <a:rPr lang="en" sz="2700"/>
+              <a:t>Parameters</a:t>
+            </a:r>
+            <a:endParaRPr sz="2700"/>
           </a:p>
           <a:p>
             <a:pPr marL="0" lvl="0" indent="0" algn="l" rtl="0">
@@ -12917,18 +12678,40 @@
               <a:buNone/>
             </a:pPr>
             <a:r>
-              <a:rPr lang="en" sz="1500"/>
-              <a:t>(max_depth=6)</a:t>
-            </a:r>
-            <a:endParaRPr sz="1000">
-              <a:solidFill>
-                <a:srgbClr val="212121"/>
-              </a:solidFill>
-              <a:latin typeface="Arial"/>
-              <a:ea typeface="Arial"/>
-              <a:cs typeface="Arial"/>
-              <a:sym typeface="Arial"/>
-            </a:endParaRPr>
+              <a:rPr lang="en" sz="2700"/>
+              <a:t>{'learning_rate': 0.01, 'max_depth': 3, 'min_samples_leaf': 2, 'n_estimators': 100}</a:t>
+            </a:r>
+            <a:endParaRPr sz="2700"/>
+          </a:p>
+          <a:p>
+            <a:pPr marL="0" lvl="0" indent="0" algn="l" rtl="0">
+              <a:lnSpc>
+                <a:spcPct val="110795"/>
+              </a:lnSpc>
+              <a:spcBef>
+                <a:spcPts val="0"/>
+              </a:spcBef>
+              <a:spcAft>
+                <a:spcPts val="0"/>
+              </a:spcAft>
+              <a:buNone/>
+            </a:pPr>
+            <a:endParaRPr sz="1500"/>
+          </a:p>
+          <a:p>
+            <a:pPr marL="0" lvl="0" indent="0" algn="l" rtl="0">
+              <a:lnSpc>
+                <a:spcPct val="110795"/>
+              </a:lnSpc>
+              <a:spcBef>
+                <a:spcPts val="0"/>
+              </a:spcBef>
+              <a:spcAft>
+                <a:spcPts val="0"/>
+              </a:spcAft>
+              <a:buNone/>
+            </a:pPr>
+            <a:endParaRPr sz="1500"/>
           </a:p>
           <a:p>
             <a:pPr marL="0" lvl="0" indent="0" algn="l" rtl="0">
@@ -13031,7 +12814,7 @@
             </a:pPr>
             <a:r>
               <a:rPr lang="en" sz="6200"/>
-              <a:t>Classification Report :</a:t>
+              <a:t>Classification Report :     	</a:t>
             </a:r>
             <a:endParaRPr sz="6200"/>
           </a:p>
@@ -13047,7 +12830,7 @@
             </a:pPr>
             <a:r>
               <a:rPr lang="en" sz="6200"/>
-              <a:t> 		 precision    recall  f1-score   support</a:t>
+              <a:t> 		precision    recall  f1-score   support</a:t>
             </a:r>
             <a:endParaRPr sz="6200"/>
           </a:p>
@@ -13063,7 +12846,7 @@
             </a:pPr>
             <a:r>
               <a:rPr lang="en" sz="6200"/>
-              <a:t>           1       	0.14     0.57      0.22       234</a:t>
+              <a:t> 	1       	  	0.18      0.08      0.11       234</a:t>
             </a:r>
             <a:endParaRPr sz="6200"/>
           </a:p>
@@ -13079,7 +12862,7 @@
             </a:pPr>
             <a:r>
               <a:rPr lang="en" sz="6200"/>
-              <a:t>           0       	0.89      0.49      0.63      1649</a:t>
+              <a:t>          0        	0.88      0.95      0.91       1649</a:t>
             </a:r>
             <a:endParaRPr sz="6200"/>
           </a:p>
@@ -13095,7 +12878,7 @@
             </a:pPr>
             <a:r>
               <a:rPr lang="en" sz="6200"/>
-              <a:t>  </a:t>
+              <a:t>         </a:t>
             </a:r>
             <a:r>
               <a:rPr lang="en" sz="6200">
@@ -13103,11 +12886,11 @@
                   <a:schemeClr val="accent6"/>
                 </a:solidFill>
               </a:rPr>
-              <a:t>  accuracy                           0.50 </a:t>
+              <a:t> accuracy                           	0.84    </a:t>
             </a:r>
             <a:r>
               <a:rPr lang="en" sz="6200"/>
-              <a:t>     	     1883</a:t>
+              <a:t>   1883</a:t>
             </a:r>
             <a:endParaRPr sz="6200"/>
           </a:p>
@@ -13123,7 +12906,7 @@
             </a:pPr>
             <a:r>
               <a:rPr lang="en" sz="6200"/>
-              <a:t>   macro avg       0.51      0.53      0.43      1883</a:t>
+              <a:t>   macro avg       0.53      0.51      0.51       1883</a:t>
             </a:r>
             <a:endParaRPr sz="6200"/>
           </a:p>
@@ -13139,8 +12922,20 @@
             </a:pPr>
             <a:r>
               <a:rPr lang="en" sz="6200"/>
-              <a:t>weighted avg      0.80      0.50      0.58     1883</a:t>
-            </a:r>
+              <a:t>weighted avg      0.79      0.84      0.81      1883</a:t>
+            </a:r>
+            <a:endParaRPr sz="6200"/>
+          </a:p>
+          <a:p>
+            <a:pPr marL="0" lvl="0" indent="0" algn="l" rtl="0">
+              <a:spcBef>
+                <a:spcPts val="1200"/>
+              </a:spcBef>
+              <a:spcAft>
+                <a:spcPts val="0"/>
+              </a:spcAft>
+              <a:buNone/>
+            </a:pPr>
             <a:endParaRPr sz="6200"/>
           </a:p>
           <a:p>
@@ -13266,7 +13061,7 @@
                 <a:cs typeface="Roboto"/>
                 <a:sym typeface="Roboto"/>
               </a:rPr>
-              <a:t>Gradient Booster Classifier - GridSerachCV</a:t>
+              <a:t>KNN Classifier - GridSearchCV</a:t>
             </a:r>
             <a:endParaRPr/>
           </a:p>
@@ -13327,7 +13122,7 @@
             </a:pPr>
             <a:r>
               <a:rPr lang="en" sz="2700"/>
-              <a:t>{'learning_rate': 0.01, 'max_depth': 3, 'min_samples_leaf': 2, 'n_estimators': 100}</a:t>
+              <a:t>param_grid_KNN = {</a:t>
             </a:r>
             <a:endParaRPr sz="2700"/>
           </a:p>
@@ -13344,7 +13139,11 @@
               </a:spcAft>
               <a:buNone/>
             </a:pPr>
-            <a:endParaRPr sz="1500"/>
+            <a:r>
+              <a:rPr lang="en" sz="2700"/>
+              <a:t>    'n_neighbors': [1, 3, 5, 7, 9, 11, 13, 15, 17, 19],</a:t>
+            </a:r>
+            <a:endParaRPr sz="2700"/>
           </a:p>
           <a:p>
             <a:pPr marL="0" lvl="0" indent="0" algn="l" rtl="0">
@@ -13359,7 +13158,11 @@
               </a:spcAft>
               <a:buNone/>
             </a:pPr>
-            <a:endParaRPr sz="1500"/>
+            <a:r>
+              <a:rPr lang="en" sz="2700"/>
+              <a:t>    'weights': ['uniform', 'distance'],</a:t>
+            </a:r>
+            <a:endParaRPr sz="2700"/>
           </a:p>
           <a:p>
             <a:pPr marL="0" lvl="0" indent="0" algn="l" rtl="0">
@@ -13374,42 +13177,45 @@
               </a:spcAft>
               <a:buNone/>
             </a:pPr>
-            <a:endParaRPr sz="1500"/>
-          </a:p>
-          <a:p>
-            <a:pPr marL="0" lvl="0" indent="0" algn="l" rtl="0">
-              <a:spcBef>
-                <a:spcPts val="0"/>
-              </a:spcBef>
-              <a:spcAft>
-                <a:spcPts val="0"/>
-              </a:spcAft>
-              <a:buNone/>
-            </a:pPr>
-            <a:endParaRPr sz="1500"/>
-          </a:p>
-          <a:p>
-            <a:pPr marL="0" lvl="0" indent="0" algn="l" rtl="0">
-              <a:spcBef>
-                <a:spcPts val="1200"/>
-              </a:spcBef>
-              <a:spcAft>
-                <a:spcPts val="0"/>
-              </a:spcAft>
-              <a:buNone/>
-            </a:pPr>
-            <a:endParaRPr sz="3500"/>
-          </a:p>
-          <a:p>
-            <a:pPr marL="0" lvl="0" indent="0" algn="l" rtl="0">
-              <a:spcBef>
-                <a:spcPts val="1200"/>
-              </a:spcBef>
-              <a:spcAft>
-                <a:spcPts val="0"/>
-              </a:spcAft>
-              <a:buNone/>
-            </a:pPr>
+            <a:r>
+              <a:rPr lang="en" sz="2700"/>
+              <a:t>    'leaf_size': [10, 50, 100, 500]</a:t>
+            </a:r>
+            <a:endParaRPr sz="2700"/>
+          </a:p>
+          <a:p>
+            <a:pPr marL="0" lvl="0" indent="0" algn="l" rtl="0">
+              <a:lnSpc>
+                <a:spcPct val="110795"/>
+              </a:lnSpc>
+              <a:spcBef>
+                <a:spcPts val="0"/>
+              </a:spcBef>
+              <a:spcAft>
+                <a:spcPts val="0"/>
+              </a:spcAft>
+              <a:buNone/>
+            </a:pPr>
+            <a:r>
+              <a:rPr lang="en" sz="2700"/>
+              <a:t>}</a:t>
+            </a:r>
+            <a:endParaRPr sz="2700"/>
+          </a:p>
+          <a:p>
+            <a:pPr marL="0" lvl="0" indent="0" algn="l" rtl="0">
+              <a:spcBef>
+                <a:spcPts val="0"/>
+              </a:spcBef>
+              <a:spcAft>
+                <a:spcPts val="0"/>
+              </a:spcAft>
+              <a:buNone/>
+            </a:pPr>
+            <a:r>
+              <a:rPr lang="en" sz="2700"/>
+              <a:t>  GridSearchCV(grid_tuned_model, param_grid_KNN, verbose=3</a:t>
+            </a:r>
             <a:endParaRPr sz="3800"/>
           </a:p>
           <a:p>
@@ -13439,7 +13245,7 @@
         <p:spPr>
           <a:xfrm>
             <a:off x="4210400" y="1489825"/>
-            <a:ext cx="4281600" cy="3078900"/>
+            <a:ext cx="4545600" cy="3078900"/>
           </a:xfrm>
           <a:prstGeom prst="rect">
             <a:avLst/>
@@ -13462,7 +13268,7 @@
             </a:pPr>
             <a:r>
               <a:rPr lang="en" sz="6200"/>
-              <a:t>Classification Report :</a:t>
+              <a:t>Classification Report :     	</a:t>
             </a:r>
             <a:endParaRPr sz="6200"/>
           </a:p>
@@ -13478,7 +13284,7 @@
             </a:pPr>
             <a:r>
               <a:rPr lang="en" sz="6200"/>
-              <a:t>         		precision    recall  f1-score   support</a:t>
+              <a:t> 	         	      precision    recall  f1-score   support</a:t>
             </a:r>
             <a:endParaRPr sz="6200"/>
           </a:p>
@@ -13494,7 +13300,7 @@
             </a:pPr>
             <a:r>
               <a:rPr lang="en" sz="6200"/>
-              <a:t>1     	    1.00      	 0.00      0.01       	234</a:t>
+              <a:t>1      		0.00        0.00      0.00        234</a:t>
             </a:r>
             <a:endParaRPr sz="6200"/>
           </a:p>
@@ -13510,7 +13316,7 @@
             </a:pPr>
             <a:r>
               <a:rPr lang="en" sz="6200"/>
-              <a:t> 	0      	    0.88      	 1.00      0.93             1649</a:t>
+              <a:t>    	0   		0.88      1.00       0.93       1649</a:t>
             </a:r>
             <a:endParaRPr sz="6200"/>
           </a:p>
@@ -13526,7 +13332,7 @@
             </a:pPr>
             <a:r>
               <a:rPr lang="en" sz="6200"/>
-              <a:t>        </a:t>
+              <a:t>       </a:t>
             </a:r>
             <a:r>
               <a:rPr lang="en" sz="6200">
@@ -13534,11 +13340,11 @@
                   <a:schemeClr val="accent6"/>
                 </a:solidFill>
               </a:rPr>
-              <a:t>accuracy                           0.88        </a:t>
+              <a:t> accuracy                           0.88      	</a:t>
             </a:r>
             <a:r>
               <a:rPr lang="en" sz="6200"/>
-              <a:t>      1883</a:t>
+              <a:t>	1883</a:t>
             </a:r>
             <a:endParaRPr sz="6200"/>
           </a:p>
@@ -13554,7 +13360,7 @@
             </a:pPr>
             <a:r>
               <a:rPr lang="en" sz="6200"/>
-              <a:t>   macro avg   0.94      0.50      0.47             1883</a:t>
+              <a:t>   macro avg      	  0.44      0.50      0.47      	1883</a:t>
             </a:r>
             <a:endParaRPr sz="6200"/>
           </a:p>
@@ -13570,7 +13376,7 @@
             </a:pPr>
             <a:r>
               <a:rPr lang="en" sz="6200"/>
-              <a:t>weighted avg  0.89      0.88      0.82            1883</a:t>
+              <a:t>weighted avg       0.77      0.88      0.82      	1883</a:t>
             </a:r>
             <a:endParaRPr sz="6200"/>
           </a:p>
@@ -13721,7 +13527,7 @@
                 <a:cs typeface="Roboto"/>
                 <a:sym typeface="Roboto"/>
               </a:rPr>
-              <a:t>Gradient Booster Classifier - GridSerachCV</a:t>
+              <a:t>KNN Classifier - RandomizedSearchCV</a:t>
             </a:r>
             <a:endParaRPr/>
           </a:p>
@@ -13748,7 +13554,7 @@
         </p:spPr>
         <p:txBody>
           <a:bodyPr spcFirstLastPara="1" wrap="square" lIns="91425" tIns="91425" rIns="91425" bIns="91425" anchor="t" anchorCtr="0">
-            <a:normAutofit fontScale="25000" lnSpcReduction="20000"/>
+            <a:normAutofit fontScale="47500" lnSpcReduction="20000"/>
           </a:bodyPr>
           <a:lstStyle/>
           <a:p>
@@ -13762,57 +13568,9 @@
               <a:buNone/>
             </a:pPr>
             <a:r>
-              <a:rPr lang="en" sz="6000"/>
+              <a:rPr lang="en" sz="2700"/>
               <a:t>Parameters</a:t>
             </a:r>
-            <a:endParaRPr sz="6000"/>
-          </a:p>
-          <a:p>
-            <a:pPr marL="0" lvl="0" indent="0" algn="l" rtl="0">
-              <a:spcBef>
-                <a:spcPts val="1200"/>
-              </a:spcBef>
-              <a:spcAft>
-                <a:spcPts val="0"/>
-              </a:spcAft>
-              <a:buNone/>
-            </a:pPr>
-            <a:r>
-              <a:rPr lang="en" sz="6000"/>
-              <a:t>param_grid = { 'n_estimators': [100, 200, 300],   'max_depth': [None, 10, 20, 30],   'min_samples_split': [2, 5, 10],   'min_samples_leaf': [1, 2, 4] }</a:t>
-            </a:r>
-            <a:endParaRPr sz="6000"/>
-          </a:p>
-          <a:p>
-            <a:pPr marL="0" lvl="0" indent="0" algn="l" rtl="0">
-              <a:spcBef>
-                <a:spcPts val="1200"/>
-              </a:spcBef>
-              <a:spcAft>
-                <a:spcPts val="0"/>
-              </a:spcAft>
-              <a:buNone/>
-            </a:pPr>
-            <a:r>
-              <a:rPr lang="en" sz="6000"/>
-              <a:t>GridSearchCV(estimator=RandomForestClassifier(random_state=42),</a:t>
-            </a:r>
-            <a:endParaRPr sz="6000"/>
-          </a:p>
-          <a:p>
-            <a:pPr marL="0" lvl="0" indent="0" algn="l" rtl="0">
-              <a:spcBef>
-                <a:spcPts val="1200"/>
-              </a:spcBef>
-              <a:spcAft>
-                <a:spcPts val="0"/>
-              </a:spcAft>
-              <a:buNone/>
-            </a:pPr>
-            <a:r>
-              <a:rPr lang="en" sz="6000"/>
-              <a:t>                           </a:t>
-            </a:r>
             <a:endParaRPr sz="2700"/>
           </a:p>
           <a:p>
@@ -13825,7 +13583,91 @@
               </a:spcAft>
               <a:buNone/>
             </a:pPr>
-            <a:endParaRPr sz="3800"/>
+            <a:r>
+              <a:rPr lang="en" sz="2700"/>
+              <a:t>param_grid_random = {</a:t>
+            </a:r>
+            <a:endParaRPr sz="2700"/>
+          </a:p>
+          <a:p>
+            <a:pPr marL="0" lvl="0" indent="0" algn="l" rtl="0">
+              <a:spcBef>
+                <a:spcPts val="1200"/>
+              </a:spcBef>
+              <a:spcAft>
+                <a:spcPts val="0"/>
+              </a:spcAft>
+              <a:buNone/>
+            </a:pPr>
+            <a:r>
+              <a:rPr lang="en" sz="2700"/>
+              <a:t>    'n_neighbors': np.arange(1,20,2),</a:t>
+            </a:r>
+            <a:endParaRPr sz="2700"/>
+          </a:p>
+          <a:p>
+            <a:pPr marL="0" lvl="0" indent="0" algn="l" rtl="0">
+              <a:spcBef>
+                <a:spcPts val="1200"/>
+              </a:spcBef>
+              <a:spcAft>
+                <a:spcPts val="0"/>
+              </a:spcAft>
+              <a:buNone/>
+            </a:pPr>
+            <a:r>
+              <a:rPr lang="en" sz="2700"/>
+              <a:t>    'weights': ['uniform', 'distance'],</a:t>
+            </a:r>
+            <a:endParaRPr sz="2700"/>
+          </a:p>
+          <a:p>
+            <a:pPr marL="0" lvl="0" indent="0" algn="l" rtl="0">
+              <a:spcBef>
+                <a:spcPts val="1200"/>
+              </a:spcBef>
+              <a:spcAft>
+                <a:spcPts val="0"/>
+              </a:spcAft>
+              <a:buNone/>
+            </a:pPr>
+            <a:r>
+              <a:rPr lang="en" sz="2700"/>
+              <a:t>    'leaf_size': np.arange(1, 500)</a:t>
+            </a:r>
+            <a:endParaRPr sz="2700"/>
+          </a:p>
+          <a:p>
+            <a:pPr marL="0" lvl="0" indent="0" algn="l" rtl="0">
+              <a:spcBef>
+                <a:spcPts val="1200"/>
+              </a:spcBef>
+              <a:spcAft>
+                <a:spcPts val="0"/>
+              </a:spcAft>
+              <a:buNone/>
+            </a:pPr>
+            <a:r>
+              <a:rPr lang="en" sz="2700"/>
+              <a:t>}</a:t>
+            </a:r>
+            <a:endParaRPr sz="2700"/>
+          </a:p>
+          <a:p>
+            <a:pPr marL="0" lvl="0" indent="0" algn="l" rtl="0">
+              <a:spcBef>
+                <a:spcPts val="1200"/>
+              </a:spcBef>
+              <a:spcAft>
+                <a:spcPts val="0"/>
+              </a:spcAft>
+              <a:buNone/>
+            </a:pPr>
+            <a:r>
+              <a:rPr lang="en" sz="2700"/>
+              <a:t>RandomizedSearchCV(random_tuned_model, param_grid_random, random_state=0, verbose=3)</a:t>
+            </a:r>
+            <a:endParaRPr sz="2700"/>
           </a:p>
           <a:p>
             <a:pPr marL="0" lvl="0" indent="0" algn="l" rtl="0">
@@ -13854,7 +13696,7 @@
         <p:spPr>
           <a:xfrm>
             <a:off x="4210400" y="1489825"/>
-            <a:ext cx="4281600" cy="3078900"/>
+            <a:ext cx="4545600" cy="3078900"/>
           </a:xfrm>
           <a:prstGeom prst="rect">
             <a:avLst/>
@@ -13877,7 +13719,7 @@
             </a:pPr>
             <a:r>
               <a:rPr lang="en" sz="6200"/>
-              <a:t>Classification Report :</a:t>
+              <a:t>Classification Report :     	</a:t>
             </a:r>
             <a:endParaRPr sz="6200"/>
           </a:p>
@@ -13893,12 +13735,12 @@
             </a:pPr>
             <a:r>
               <a:rPr lang="en" sz="6200"/>
-              <a:t>         		precision    recall  f1-score   support</a:t>
+              <a:t> 	  	precision    recall  f1-score   support</a:t>
             </a:r>
             <a:endParaRPr sz="6200"/>
           </a:p>
           <a:p>
-            <a:pPr marL="0" lvl="0" indent="457200" algn="l" rtl="0">
+            <a:pPr marL="0" lvl="0" indent="0" algn="l" rtl="0">
               <a:spcBef>
                 <a:spcPts val="1200"/>
               </a:spcBef>
@@ -13909,7 +13751,7 @@
             </a:pPr>
             <a:r>
               <a:rPr lang="en" sz="6200"/>
-              <a:t>1     	    1.00      	 0.00      0.01       	234</a:t>
+              <a:t>       	1       		0.00      0.00      0.00       234</a:t>
             </a:r>
             <a:endParaRPr sz="6200"/>
           </a:p>
@@ -13925,7 +13767,7 @@
             </a:pPr>
             <a:r>
               <a:rPr lang="en" sz="6200"/>
-              <a:t> 	0      	    0.88      	 1.00      0.93             1649</a:t>
+              <a:t> 	0    		0.88      1.00      0.93      1649</a:t>
             </a:r>
             <a:endParaRPr sz="6200"/>
           </a:p>
@@ -13941,7 +13783,7 @@
             </a:pPr>
             <a:r>
               <a:rPr lang="en" sz="6200"/>
-              <a:t>        </a:t>
+              <a:t>    </a:t>
             </a:r>
             <a:r>
               <a:rPr lang="en" sz="6200">
@@ -13949,11 +13791,11 @@
                   <a:schemeClr val="accent6"/>
                 </a:solidFill>
               </a:rPr>
-              <a:t>accuracy                           0.88        </a:t>
+              <a:t>accuracy                        	   0.88     </a:t>
             </a:r>
             <a:r>
               <a:rPr lang="en" sz="6200"/>
-              <a:t>      1883</a:t>
+              <a:t>        1883</a:t>
             </a:r>
             <a:endParaRPr sz="6200"/>
           </a:p>
@@ -13969,7 +13811,7 @@
             </a:pPr>
             <a:r>
               <a:rPr lang="en" sz="6200"/>
-              <a:t>   macro avg   0.94      0.50      0.47             1883</a:t>
+              <a:t>   macro avg       0.44      0.50      0.47      1883</a:t>
             </a:r>
             <a:endParaRPr sz="6200"/>
           </a:p>
@@ -13985,7 +13827,7 @@
             </a:pPr>
             <a:r>
               <a:rPr lang="en" sz="6200"/>
-              <a:t>weighted avg  0.89      0.88      0.82            1883</a:t>
+              <a:t>weighted avg      0.77      0.88      0.82      1883</a:t>
             </a:r>
             <a:endParaRPr sz="6200"/>
           </a:p>
@@ -13999,6 +13841,10 @@
               </a:spcAft>
               <a:buNone/>
             </a:pPr>
+            <a:r>
+              <a:rPr lang="en" sz="6200"/>
+              <a:t>        	  </a:t>
+            </a:r>
             <a:endParaRPr sz="6200"/>
           </a:p>
           <a:p>
@@ -14116,8 +13962,8 @@
         </p:nvSpPr>
         <p:spPr>
           <a:xfrm>
-            <a:off x="387900" y="458025"/>
-            <a:ext cx="8368200" cy="686100"/>
+            <a:off x="214300" y="442300"/>
+            <a:ext cx="5598900" cy="686100"/>
           </a:xfrm>
           <a:prstGeom prst="rect">
             <a:avLst/>
@@ -14130,27 +13976,19 @@
           <a:lstStyle/>
           <a:p>
             <a:pPr marL="0" lvl="0" indent="0" algn="l" rtl="0">
-              <a:lnSpc>
-                <a:spcPct val="115000"/>
-              </a:lnSpc>
-              <a:spcBef>
-                <a:spcPts val="0"/>
-              </a:spcBef>
-              <a:spcAft>
-                <a:spcPts val="1200"/>
-              </a:spcAft>
-              <a:buNone/>
-            </a:pPr>
-            <a:r>
-              <a:rPr lang="en" sz="3800">
-                <a:latin typeface="Roboto"/>
-                <a:ea typeface="Roboto"/>
-                <a:cs typeface="Roboto"/>
-                <a:sym typeface="Roboto"/>
-              </a:rPr>
-              <a:t>Random Forest Classifier - GridSerachCV</a:t>
-            </a:r>
-            <a:endParaRPr/>
+              <a:spcBef>
+                <a:spcPts val="0"/>
+              </a:spcBef>
+              <a:spcAft>
+                <a:spcPts val="0"/>
+              </a:spcAft>
+              <a:buNone/>
+            </a:pPr>
+            <a:r>
+              <a:rPr lang="en" sz="2800"/>
+              <a:t>Accuracy Comparison -Summary</a:t>
+            </a:r>
+            <a:endParaRPr sz="2800"/>
           </a:p>
         </p:txBody>
       </p:sp>
@@ -14166,8 +14004,8 @@
         </p:nvSpPr>
         <p:spPr>
           <a:xfrm>
-            <a:off x="387900" y="1489825"/>
-            <a:ext cx="2840100" cy="3078900"/>
+            <a:off x="-174125" y="1396075"/>
+            <a:ext cx="2812800" cy="3506400"/>
           </a:xfrm>
           <a:prstGeom prst="rect">
             <a:avLst/>
@@ -14175,63 +14013,74 @@
         </p:spPr>
         <p:txBody>
           <a:bodyPr spcFirstLastPara="1" wrap="square" lIns="91425" tIns="91425" rIns="91425" bIns="91425" anchor="t" anchorCtr="0">
-            <a:normAutofit fontScale="55000" lnSpcReduction="20000"/>
+            <a:noAutofit/>
           </a:bodyPr>
           <a:lstStyle/>
           <a:p>
-            <a:pPr marL="0" lvl="0" indent="0" algn="l" rtl="0">
-              <a:spcBef>
-                <a:spcPts val="0"/>
-              </a:spcBef>
-              <a:spcAft>
-                <a:spcPts val="0"/>
-              </a:spcAft>
-              <a:buNone/>
-            </a:pPr>
-            <a:r>
-              <a:rPr lang="en" sz="2700"/>
-              <a:t>Parameters</a:t>
-            </a:r>
-            <a:endParaRPr sz="2700"/>
-          </a:p>
-          <a:p>
-            <a:pPr marL="0" lvl="0" indent="0" algn="l" rtl="0">
+            <a:pPr marL="0" lvl="0" indent="457200" algn="l" rtl="0">
               <a:lnSpc>
-                <a:spcPct val="110795"/>
+                <a:spcPct val="95000"/>
               </a:lnSpc>
               <a:spcBef>
-                <a:spcPts val="1200"/>
-              </a:spcBef>
-              <a:spcAft>
-                <a:spcPts val="0"/>
-              </a:spcAft>
-              <a:buNone/>
-            </a:pPr>
-            <a:r>
-              <a:rPr lang="en" sz="2700"/>
-              <a:t>{'learning_rate': 0.01, 'max_depth': 3, 'min_samples_leaf': 2, 'n_estimators': 100}</a:t>
-            </a:r>
-            <a:endParaRPr sz="2700"/>
-          </a:p>
-          <a:p>
-            <a:pPr marL="0" lvl="0" indent="0" algn="l" rtl="0">
+                <a:spcPts val="0"/>
+              </a:spcBef>
+              <a:spcAft>
+                <a:spcPts val="0"/>
+              </a:spcAft>
+              <a:buSzPts val="523"/>
+              <a:buNone/>
+            </a:pPr>
+            <a:r>
+              <a:rPr lang="en" sz="1355" b="1">
+                <a:latin typeface="Arial"/>
+                <a:ea typeface="Arial"/>
+                <a:cs typeface="Arial"/>
+                <a:sym typeface="Arial"/>
+              </a:rPr>
+              <a:t>Observations:</a:t>
+            </a:r>
+            <a:endParaRPr sz="1355" b="1">
+              <a:latin typeface="Arial"/>
+              <a:ea typeface="Arial"/>
+              <a:cs typeface="Arial"/>
+              <a:sym typeface="Arial"/>
+            </a:endParaRPr>
+          </a:p>
+          <a:p>
+            <a:pPr marL="457200" lvl="0" indent="-301942" algn="l" rtl="0">
               <a:lnSpc>
-                <a:spcPct val="110795"/>
+                <a:spcPct val="100000"/>
               </a:lnSpc>
               <a:spcBef>
-                <a:spcPts val="0"/>
-              </a:spcBef>
-              <a:spcAft>
-                <a:spcPts val="0"/>
-              </a:spcAft>
-              <a:buNone/>
-            </a:pPr>
-            <a:endParaRPr sz="1500"/>
-          </a:p>
-          <a:p>
-            <a:pPr marL="0" lvl="0" indent="0" algn="l" rtl="0">
+                <a:spcPts val="1200"/>
+              </a:spcBef>
+              <a:spcAft>
+                <a:spcPts val="0"/>
+              </a:spcAft>
+              <a:buSzPts val="1155"/>
+              <a:buFont typeface="Arial"/>
+              <a:buChar char="●"/>
+            </a:pPr>
+            <a:r>
+              <a:rPr lang="en" sz="1155" b="1">
+                <a:latin typeface="Arial"/>
+                <a:ea typeface="Arial"/>
+                <a:cs typeface="Arial"/>
+                <a:sym typeface="Arial"/>
+              </a:rPr>
+              <a:t>Tuning model with GridSerarchCV / RandomSerachCV provides better classification accuracy</a:t>
+            </a:r>
+            <a:endParaRPr sz="1155" b="1">
+              <a:latin typeface="Arial"/>
+              <a:ea typeface="Arial"/>
+              <a:cs typeface="Arial"/>
+              <a:sym typeface="Arial"/>
+            </a:endParaRPr>
+          </a:p>
+          <a:p>
+            <a:pPr marL="457200" lvl="0" indent="-301942" algn="l" rtl="0">
               <a:lnSpc>
-                <a:spcPct val="110795"/>
+                <a:spcPct val="100000"/>
               </a:lnSpc>
               <a:spcBef>
                 <a:spcPts val="0"/>
@@ -14239,14 +14088,30 @@
               <a:spcAft>
                 <a:spcPts val="0"/>
               </a:spcAft>
-              <a:buNone/>
-            </a:pPr>
-            <a:endParaRPr sz="1500"/>
-          </a:p>
-          <a:p>
-            <a:pPr marL="0" lvl="0" indent="0" algn="l" rtl="0">
+              <a:buSzPts val="1155"/>
+              <a:buFont typeface="Arial"/>
+              <a:buChar char="●"/>
+            </a:pPr>
+            <a:r>
+              <a:rPr lang="en" sz="1155" b="1">
+                <a:latin typeface="Arial"/>
+                <a:ea typeface="Arial"/>
+                <a:cs typeface="Arial"/>
+                <a:sym typeface="Arial"/>
+              </a:rPr>
+              <a:t>GradientBoosster and KNN prvoides 88% claissifcation accuracy with GrandientSearchCV/RandomSearchCV</a:t>
+            </a:r>
+            <a:endParaRPr sz="1155" b="1">
+              <a:latin typeface="Arial"/>
+              <a:ea typeface="Arial"/>
+              <a:cs typeface="Arial"/>
+              <a:sym typeface="Arial"/>
+            </a:endParaRPr>
+          </a:p>
+          <a:p>
+            <a:pPr marL="457200" lvl="0" indent="-301942" algn="l" rtl="0">
               <a:lnSpc>
-                <a:spcPct val="110795"/>
+                <a:spcPct val="100000"/>
               </a:lnSpc>
               <a:spcBef>
                 <a:spcPts val="0"/>
@@ -14254,274 +14119,77 @@
               <a:spcAft>
                 <a:spcPts val="0"/>
               </a:spcAft>
-              <a:buNone/>
-            </a:pPr>
-            <a:endParaRPr sz="1500"/>
-          </a:p>
-          <a:p>
-            <a:pPr marL="0" lvl="0" indent="0" algn="l" rtl="0">
-              <a:spcBef>
-                <a:spcPts val="0"/>
-              </a:spcBef>
-              <a:spcAft>
-                <a:spcPts val="0"/>
-              </a:spcAft>
-              <a:buNone/>
-            </a:pPr>
-            <a:endParaRPr sz="1500"/>
-          </a:p>
-          <a:p>
-            <a:pPr marL="0" lvl="0" indent="0" algn="l" rtl="0">
-              <a:spcBef>
-                <a:spcPts val="1200"/>
-              </a:spcBef>
-              <a:spcAft>
-                <a:spcPts val="0"/>
-              </a:spcAft>
-              <a:buNone/>
-            </a:pPr>
-            <a:endParaRPr sz="3500"/>
-          </a:p>
-          <a:p>
-            <a:pPr marL="0" lvl="0" indent="0" algn="l" rtl="0">
-              <a:spcBef>
-                <a:spcPts val="1200"/>
-              </a:spcBef>
-              <a:spcAft>
-                <a:spcPts val="0"/>
-              </a:spcAft>
-              <a:buNone/>
-            </a:pPr>
-            <a:endParaRPr sz="3800"/>
-          </a:p>
-          <a:p>
-            <a:pPr marL="0" lvl="0" indent="0" algn="l" rtl="0">
-              <a:spcBef>
-                <a:spcPts val="1200"/>
-              </a:spcBef>
-              <a:spcAft>
-                <a:spcPts val="1200"/>
-              </a:spcAft>
-              <a:buNone/>
-            </a:pPr>
-            <a:endParaRPr/>
+              <a:buSzPts val="1155"/>
+              <a:buFont typeface="Arial"/>
+              <a:buChar char="●"/>
+            </a:pPr>
+            <a:r>
+              <a:rPr lang="en" sz="1155" b="1">
+                <a:latin typeface="Arial"/>
+                <a:ea typeface="Arial"/>
+                <a:cs typeface="Arial"/>
+                <a:sym typeface="Arial"/>
+              </a:rPr>
+              <a:t>No Free Lunch theorem holds good here</a:t>
+            </a:r>
+            <a:endParaRPr sz="1155" b="1">
+              <a:latin typeface="Arial"/>
+              <a:ea typeface="Arial"/>
+              <a:cs typeface="Arial"/>
+              <a:sym typeface="Arial"/>
+            </a:endParaRPr>
+          </a:p>
+          <a:p>
+            <a:pPr marL="0" lvl="0" indent="0" algn="l" rtl="0">
+              <a:lnSpc>
+                <a:spcPct val="95000"/>
+              </a:lnSpc>
+              <a:spcBef>
+                <a:spcPts val="1200"/>
+              </a:spcBef>
+              <a:spcAft>
+                <a:spcPts val="1200"/>
+              </a:spcAft>
+              <a:buSzPts val="523"/>
+              <a:buNone/>
+            </a:pPr>
+            <a:endParaRPr sz="1155">
+              <a:latin typeface="Arial"/>
+              <a:ea typeface="Arial"/>
+              <a:cs typeface="Arial"/>
+              <a:sym typeface="Arial"/>
+            </a:endParaRPr>
           </a:p>
         </p:txBody>
       </p:sp>
-      <p:sp>
-        <p:nvSpPr>
+      <p:pic>
+        <p:nvPicPr>
           <p:cNvPr id="210" name="Google Shape;210;p35"/>
-          <p:cNvSpPr txBox="1">
-            <a:spLocks noGrp="1"/>
-          </p:cNvSpPr>
-          <p:nvPr>
-            <p:ph type="body" idx="1"/>
-          </p:nvPr>
-        </p:nvSpPr>
-        <p:spPr>
-          <a:xfrm>
-            <a:off x="4210400" y="1489825"/>
-            <a:ext cx="4281600" cy="3078900"/>
+          <p:cNvPicPr preferRelativeResize="0"/>
+          <p:nvPr/>
+        </p:nvPicPr>
+        <p:blipFill>
+          <a:blip r:embed="rId3">
+            <a:alphaModFix/>
+          </a:blip>
+          <a:stretch>
+            <a:fillRect/>
+          </a:stretch>
+        </p:blipFill>
+        <p:spPr>
+          <a:xfrm>
+            <a:off x="2638675" y="1280825"/>
+            <a:ext cx="6267951" cy="2965249"/>
           </a:xfrm>
           <a:prstGeom prst="rect">
             <a:avLst/>
           </a:prstGeom>
-        </p:spPr>
-        <p:txBody>
-          <a:bodyPr spcFirstLastPara="1" wrap="square" lIns="91425" tIns="91425" rIns="91425" bIns="91425" anchor="t" anchorCtr="0">
-            <a:normAutofit fontScale="25000" lnSpcReduction="20000"/>
-          </a:bodyPr>
-          <a:lstStyle/>
-          <a:p>
-            <a:pPr marL="0" lvl="0" indent="0" algn="l" rtl="0">
-              <a:spcBef>
-                <a:spcPts val="0"/>
-              </a:spcBef>
-              <a:spcAft>
-                <a:spcPts val="0"/>
-              </a:spcAft>
-              <a:buNone/>
-            </a:pPr>
-            <a:r>
-              <a:rPr lang="en" sz="6200"/>
-              <a:t>Classification Report :     	</a:t>
-            </a:r>
-            <a:endParaRPr sz="6200"/>
-          </a:p>
-          <a:p>
-            <a:pPr marL="0" lvl="0" indent="0" algn="l" rtl="0">
-              <a:spcBef>
-                <a:spcPts val="1200"/>
-              </a:spcBef>
-              <a:spcAft>
-                <a:spcPts val="0"/>
-              </a:spcAft>
-              <a:buNone/>
-            </a:pPr>
-            <a:r>
-              <a:rPr lang="en" sz="6200"/>
-              <a:t> 		precision    recall  f1-score   support</a:t>
-            </a:r>
-            <a:endParaRPr sz="6200"/>
-          </a:p>
-          <a:p>
-            <a:pPr marL="0" lvl="0" indent="0" algn="l" rtl="0">
-              <a:spcBef>
-                <a:spcPts val="1200"/>
-              </a:spcBef>
-              <a:spcAft>
-                <a:spcPts val="0"/>
-              </a:spcAft>
-              <a:buNone/>
-            </a:pPr>
-            <a:r>
-              <a:rPr lang="en" sz="6200"/>
-              <a:t> 	1       	  	0.18      0.08      0.11       234</a:t>
-            </a:r>
-            <a:endParaRPr sz="6200"/>
-          </a:p>
-          <a:p>
-            <a:pPr marL="0" lvl="0" indent="0" algn="l" rtl="0">
-              <a:spcBef>
-                <a:spcPts val="1200"/>
-              </a:spcBef>
-              <a:spcAft>
-                <a:spcPts val="0"/>
-              </a:spcAft>
-              <a:buNone/>
-            </a:pPr>
-            <a:r>
-              <a:rPr lang="en" sz="6200"/>
-              <a:t>          0        	0.88      0.95      0.91       1649</a:t>
-            </a:r>
-            <a:endParaRPr sz="6200"/>
-          </a:p>
-          <a:p>
-            <a:pPr marL="0" lvl="0" indent="0" algn="l" rtl="0">
-              <a:spcBef>
-                <a:spcPts val="1200"/>
-              </a:spcBef>
-              <a:spcAft>
-                <a:spcPts val="0"/>
-              </a:spcAft>
-              <a:buNone/>
-            </a:pPr>
-            <a:r>
-              <a:rPr lang="en" sz="6200"/>
-              <a:t>         </a:t>
-            </a:r>
-            <a:r>
-              <a:rPr lang="en" sz="6200">
-                <a:solidFill>
-                  <a:schemeClr val="accent6"/>
-                </a:solidFill>
-              </a:rPr>
-              <a:t> accuracy                           	0.84    </a:t>
-            </a:r>
-            <a:r>
-              <a:rPr lang="en" sz="6200"/>
-              <a:t>   1883</a:t>
-            </a:r>
-            <a:endParaRPr sz="6200"/>
-          </a:p>
-          <a:p>
-            <a:pPr marL="0" lvl="0" indent="0" algn="l" rtl="0">
-              <a:spcBef>
-                <a:spcPts val="1200"/>
-              </a:spcBef>
-              <a:spcAft>
-                <a:spcPts val="0"/>
-              </a:spcAft>
-              <a:buNone/>
-            </a:pPr>
-            <a:r>
-              <a:rPr lang="en" sz="6200"/>
-              <a:t>   macro avg       0.53      0.51      0.51       1883</a:t>
-            </a:r>
-            <a:endParaRPr sz="6200"/>
-          </a:p>
-          <a:p>
-            <a:pPr marL="0" lvl="0" indent="0" algn="l" rtl="0">
-              <a:spcBef>
-                <a:spcPts val="1200"/>
-              </a:spcBef>
-              <a:spcAft>
-                <a:spcPts val="0"/>
-              </a:spcAft>
-              <a:buNone/>
-            </a:pPr>
-            <a:r>
-              <a:rPr lang="en" sz="6200"/>
-              <a:t>weighted avg      0.79      0.84      0.81      1883</a:t>
-            </a:r>
-            <a:endParaRPr sz="6200"/>
-          </a:p>
-          <a:p>
-            <a:pPr marL="0" lvl="0" indent="0" algn="l" rtl="0">
-              <a:spcBef>
-                <a:spcPts val="1200"/>
-              </a:spcBef>
-              <a:spcAft>
-                <a:spcPts val="0"/>
-              </a:spcAft>
-              <a:buNone/>
-            </a:pPr>
-            <a:endParaRPr sz="6200"/>
-          </a:p>
-          <a:p>
-            <a:pPr marL="0" lvl="0" indent="0" algn="l" rtl="0">
-              <a:spcBef>
-                <a:spcPts val="1200"/>
-              </a:spcBef>
-              <a:spcAft>
-                <a:spcPts val="0"/>
-              </a:spcAft>
-              <a:buNone/>
-            </a:pPr>
-            <a:endParaRPr sz="6200"/>
-          </a:p>
-          <a:p>
-            <a:pPr marL="0" lvl="0" indent="0" algn="l" rtl="0">
-              <a:spcBef>
-                <a:spcPts val="1200"/>
-              </a:spcBef>
-              <a:spcAft>
-                <a:spcPts val="0"/>
-              </a:spcAft>
-              <a:buNone/>
-            </a:pPr>
-            <a:endParaRPr sz="6200"/>
-          </a:p>
-          <a:p>
-            <a:pPr marL="0" lvl="0" indent="0" algn="l" rtl="0">
-              <a:spcBef>
-                <a:spcPts val="1200"/>
-              </a:spcBef>
-              <a:spcAft>
-                <a:spcPts val="0"/>
-              </a:spcAft>
-              <a:buNone/>
-            </a:pPr>
-            <a:endParaRPr sz="6200"/>
-          </a:p>
-          <a:p>
-            <a:pPr marL="0" lvl="0" indent="0" algn="l" rtl="0">
-              <a:spcBef>
-                <a:spcPts val="1200"/>
-              </a:spcBef>
-              <a:spcAft>
-                <a:spcPts val="1200"/>
-              </a:spcAft>
-              <a:buNone/>
-            </a:pPr>
-            <a:r>
-              <a:rPr lang="en" sz="5000"/>
-              <a:t> 		</a:t>
-            </a:r>
-            <a:endParaRPr/>
-          </a:p>
-        </p:txBody>
-      </p:sp>
+          <a:noFill/>
+          <a:ln>
+            <a:noFill/>
+          </a:ln>
+        </p:spPr>
+      </p:pic>
     </p:spTree>
   </p:cSld>
   <p:clrMapOvr>
@@ -14568,30 +14236,22 @@
         </p:spPr>
         <p:txBody>
           <a:bodyPr spcFirstLastPara="1" wrap="square" lIns="91425" tIns="91425" rIns="91425" bIns="91425" anchor="b" anchorCtr="0">
-            <a:normAutofit fontScale="90000"/>
+            <a:normAutofit/>
           </a:bodyPr>
           <a:lstStyle/>
           <a:p>
             <a:pPr marL="0" lvl="0" indent="0" algn="l" rtl="0">
-              <a:lnSpc>
-                <a:spcPct val="115000"/>
-              </a:lnSpc>
-              <a:spcBef>
-                <a:spcPts val="0"/>
-              </a:spcBef>
-              <a:spcAft>
-                <a:spcPts val="1200"/>
-              </a:spcAft>
-              <a:buNone/>
-            </a:pPr>
-            <a:r>
-              <a:rPr lang="en" sz="3800">
-                <a:latin typeface="Roboto"/>
-                <a:ea typeface="Roboto"/>
-                <a:cs typeface="Roboto"/>
-                <a:sym typeface="Roboto"/>
-              </a:rPr>
-              <a:t>KNN Classifier - GridSearchCV</a:t>
+              <a:spcBef>
+                <a:spcPts val="0"/>
+              </a:spcBef>
+              <a:spcAft>
+                <a:spcPts val="0"/>
+              </a:spcAft>
+              <a:buNone/>
+            </a:pPr>
+            <a:r>
+              <a:rPr lang="en"/>
+              <a:t>Summary</a:t>
             </a:r>
             <a:endParaRPr/>
           </a:p>
@@ -14609,8 +14269,8 @@
         </p:nvSpPr>
         <p:spPr>
           <a:xfrm>
-            <a:off x="387900" y="1489825"/>
-            <a:ext cx="2840100" cy="3078900"/>
+            <a:off x="343650" y="1365649"/>
+            <a:ext cx="8368200" cy="3078900"/>
           </a:xfrm>
           <a:prstGeom prst="rect">
             <a:avLst/>
@@ -14618,371 +14278,38 @@
         </p:spPr>
         <p:txBody>
           <a:bodyPr spcFirstLastPara="1" wrap="square" lIns="91425" tIns="91425" rIns="91425" bIns="91425" anchor="t" anchorCtr="0">
-            <a:normAutofit fontScale="55000" lnSpcReduction="20000"/>
+            <a:normAutofit/>
           </a:bodyPr>
           <a:lstStyle/>
           <a:p>
-            <a:pPr marL="0" lvl="0" indent="0" algn="l" rtl="0">
-              <a:spcBef>
-                <a:spcPts val="0"/>
-              </a:spcBef>
-              <a:spcAft>
-                <a:spcPts val="0"/>
-              </a:spcAft>
-              <a:buNone/>
-            </a:pPr>
-            <a:r>
-              <a:rPr lang="en" sz="2700"/>
-              <a:t>Parameters</a:t>
-            </a:r>
-            <a:endParaRPr sz="2700"/>
-          </a:p>
-          <a:p>
-            <a:pPr marL="0" lvl="0" indent="0" algn="l" rtl="0">
-              <a:lnSpc>
-                <a:spcPct val="110795"/>
-              </a:lnSpc>
-              <a:spcBef>
-                <a:spcPts val="1200"/>
-              </a:spcBef>
-              <a:spcAft>
-                <a:spcPts val="0"/>
-              </a:spcAft>
-              <a:buNone/>
-            </a:pPr>
-            <a:r>
-              <a:rPr lang="en" sz="2700"/>
-              <a:t>param_grid_KNN = {</a:t>
-            </a:r>
-            <a:endParaRPr sz="2700"/>
-          </a:p>
-          <a:p>
-            <a:pPr marL="0" lvl="0" indent="0" algn="l" rtl="0">
-              <a:lnSpc>
-                <a:spcPct val="110795"/>
-              </a:lnSpc>
-              <a:spcBef>
-                <a:spcPts val="0"/>
-              </a:spcBef>
-              <a:spcAft>
-                <a:spcPts val="0"/>
-              </a:spcAft>
-              <a:buNone/>
-            </a:pPr>
-            <a:r>
-              <a:rPr lang="en" sz="2700"/>
-              <a:t>    'n_neighbors': [1, 3, 5, 7, 9, 11, 13, 15, 17, 19],</a:t>
-            </a:r>
-            <a:endParaRPr sz="2700"/>
-          </a:p>
-          <a:p>
-            <a:pPr marL="0" lvl="0" indent="0" algn="l" rtl="0">
-              <a:lnSpc>
-                <a:spcPct val="110795"/>
-              </a:lnSpc>
-              <a:spcBef>
-                <a:spcPts val="0"/>
-              </a:spcBef>
-              <a:spcAft>
-                <a:spcPts val="0"/>
-              </a:spcAft>
-              <a:buNone/>
-            </a:pPr>
-            <a:r>
-              <a:rPr lang="en" sz="2700"/>
-              <a:t>    'weights': ['uniform', 'distance'],</a:t>
-            </a:r>
-            <a:endParaRPr sz="2700"/>
-          </a:p>
-          <a:p>
-            <a:pPr marL="0" lvl="0" indent="0" algn="l" rtl="0">
-              <a:lnSpc>
-                <a:spcPct val="110795"/>
-              </a:lnSpc>
-              <a:spcBef>
-                <a:spcPts val="0"/>
-              </a:spcBef>
-              <a:spcAft>
-                <a:spcPts val="0"/>
-              </a:spcAft>
-              <a:buNone/>
-            </a:pPr>
-            <a:r>
-              <a:rPr lang="en" sz="2700"/>
-              <a:t>    'leaf_size': [10, 50, 100, 500]</a:t>
-            </a:r>
-            <a:endParaRPr sz="2700"/>
-          </a:p>
-          <a:p>
-            <a:pPr marL="0" lvl="0" indent="0" algn="l" rtl="0">
-              <a:lnSpc>
-                <a:spcPct val="110795"/>
-              </a:lnSpc>
-              <a:spcBef>
-                <a:spcPts val="0"/>
-              </a:spcBef>
-              <a:spcAft>
-                <a:spcPts val="0"/>
-              </a:spcAft>
-              <a:buNone/>
-            </a:pPr>
-            <a:r>
-              <a:rPr lang="en" sz="2700"/>
-              <a:t>}</a:t>
-            </a:r>
-            <a:endParaRPr sz="2700"/>
-          </a:p>
-          <a:p>
-            <a:pPr marL="0" lvl="0" indent="0" algn="l" rtl="0">
-              <a:spcBef>
-                <a:spcPts val="0"/>
-              </a:spcBef>
-              <a:spcAft>
-                <a:spcPts val="0"/>
-              </a:spcAft>
-              <a:buNone/>
-            </a:pPr>
-            <a:r>
-              <a:rPr lang="en" sz="2700"/>
-              <a:t>  GridSearchCV(grid_tuned_model, param_grid_KNN, verbose=3</a:t>
-            </a:r>
-            <a:endParaRPr sz="3800"/>
-          </a:p>
-          <a:p>
-            <a:pPr marL="0" lvl="0" indent="0" algn="l" rtl="0">
-              <a:spcBef>
-                <a:spcPts val="1200"/>
-              </a:spcBef>
-              <a:spcAft>
-                <a:spcPts val="1200"/>
-              </a:spcAft>
-              <a:buNone/>
-            </a:pPr>
+            <a:pPr marL="0" lvl="0" indent="0" algn="ctr" rtl="0">
+              <a:spcBef>
+                <a:spcPts val="0"/>
+              </a:spcBef>
+              <a:spcAft>
+                <a:spcPts val="0"/>
+              </a:spcAft>
+              <a:buNone/>
+            </a:pPr>
+            <a:r>
+              <a:rPr lang="en"/>
+              <a:t>Through this analysis we aimed to provide insights into how credit card eligibility is determined. The results obtained can serve a variety of entities such as researchers, analysts, and financial institutions as a basis for further insights to the key factors influencing credit card eligibility and to develop predictive model that assist with automating the credit assessment process.</a:t>
+            </a:r>
             <a:endParaRPr/>
           </a:p>
-        </p:txBody>
-      </p:sp>
-      <p:sp>
-        <p:nvSpPr>
-          <p:cNvPr id="217" name="Google Shape;217;p36"/>
-          <p:cNvSpPr txBox="1">
-            <a:spLocks noGrp="1"/>
-          </p:cNvSpPr>
-          <p:nvPr>
-            <p:ph type="body" idx="1"/>
-          </p:nvPr>
-        </p:nvSpPr>
-        <p:spPr>
-          <a:xfrm>
-            <a:off x="4210400" y="1489825"/>
-            <a:ext cx="4545600" cy="3078900"/>
-          </a:xfrm>
-          <a:prstGeom prst="rect">
-            <a:avLst/>
-          </a:prstGeom>
-        </p:spPr>
-        <p:txBody>
-          <a:bodyPr spcFirstLastPara="1" wrap="square" lIns="91425" tIns="91425" rIns="91425" bIns="91425" anchor="t" anchorCtr="0">
-            <a:normAutofit fontScale="25000" lnSpcReduction="20000"/>
-          </a:bodyPr>
-          <a:lstStyle/>
-          <a:p>
-            <a:pPr marL="0" lvl="0" indent="0" algn="l" rtl="0">
-              <a:spcBef>
-                <a:spcPts val="0"/>
-              </a:spcBef>
-              <a:spcAft>
-                <a:spcPts val="0"/>
-              </a:spcAft>
-              <a:buNone/>
-            </a:pPr>
-            <a:r>
-              <a:rPr lang="en" sz="6200"/>
-              <a:t>Classification Report :     	</a:t>
-            </a:r>
-            <a:endParaRPr sz="6200"/>
-          </a:p>
-          <a:p>
-            <a:pPr marL="0" lvl="0" indent="0" algn="l" rtl="0">
-              <a:spcBef>
-                <a:spcPts val="1200"/>
-              </a:spcBef>
-              <a:spcAft>
-                <a:spcPts val="0"/>
-              </a:spcAft>
-              <a:buNone/>
-            </a:pPr>
-            <a:r>
-              <a:rPr lang="en" sz="6200"/>
-              <a:t> 	         	      precision    recall  f1-score   support</a:t>
-            </a:r>
-            <a:endParaRPr sz="6200"/>
-          </a:p>
-          <a:p>
-            <a:pPr marL="0" lvl="0" indent="457200" algn="l" rtl="0">
-              <a:spcBef>
-                <a:spcPts val="1200"/>
-              </a:spcBef>
-              <a:spcAft>
-                <a:spcPts val="0"/>
-              </a:spcAft>
-              <a:buNone/>
-            </a:pPr>
-            <a:r>
-              <a:rPr lang="en" sz="6200"/>
-              <a:t>1      		0.00        0.00      0.00        234</a:t>
-            </a:r>
-            <a:endParaRPr sz="6200"/>
-          </a:p>
-          <a:p>
-            <a:pPr marL="0" lvl="0" indent="0" algn="l" rtl="0">
-              <a:spcBef>
-                <a:spcPts val="1200"/>
-              </a:spcBef>
-              <a:spcAft>
-                <a:spcPts val="0"/>
-              </a:spcAft>
-              <a:buNone/>
-            </a:pPr>
-            <a:r>
-              <a:rPr lang="en" sz="6200"/>
-              <a:t>    	0   		0.88      1.00       0.93       1649</a:t>
-            </a:r>
-            <a:endParaRPr sz="6200"/>
-          </a:p>
-          <a:p>
-            <a:pPr marL="0" lvl="0" indent="0" algn="l" rtl="0">
-              <a:spcBef>
-                <a:spcPts val="1200"/>
-              </a:spcBef>
-              <a:spcAft>
-                <a:spcPts val="0"/>
-              </a:spcAft>
-              <a:buNone/>
-            </a:pPr>
-            <a:r>
-              <a:rPr lang="en" sz="6200"/>
-              <a:t>       </a:t>
-            </a:r>
-            <a:r>
-              <a:rPr lang="en" sz="6200">
-                <a:solidFill>
-                  <a:schemeClr val="accent6"/>
-                </a:solidFill>
-              </a:rPr>
-              <a:t> accuracy                           0.88      	</a:t>
-            </a:r>
-            <a:r>
-              <a:rPr lang="en" sz="6200"/>
-              <a:t>	1883</a:t>
-            </a:r>
-            <a:endParaRPr sz="6200"/>
-          </a:p>
-          <a:p>
-            <a:pPr marL="0" lvl="0" indent="0" algn="l" rtl="0">
-              <a:spcBef>
-                <a:spcPts val="1200"/>
-              </a:spcBef>
-              <a:spcAft>
-                <a:spcPts val="0"/>
-              </a:spcAft>
-              <a:buNone/>
-            </a:pPr>
-            <a:r>
-              <a:rPr lang="en" sz="6200"/>
-              <a:t>   macro avg      	  0.44      0.50      0.47      	1883</a:t>
-            </a:r>
-            <a:endParaRPr sz="6200"/>
-          </a:p>
-          <a:p>
-            <a:pPr marL="0" lvl="0" indent="0" algn="l" rtl="0">
-              <a:spcBef>
-                <a:spcPts val="1200"/>
-              </a:spcBef>
-              <a:spcAft>
-                <a:spcPts val="0"/>
-              </a:spcAft>
-              <a:buNone/>
-            </a:pPr>
-            <a:r>
-              <a:rPr lang="en" sz="6200"/>
-              <a:t>weighted avg       0.77      0.88      0.82      	1883</a:t>
-            </a:r>
-            <a:endParaRPr sz="6200"/>
-          </a:p>
-          <a:p>
-            <a:pPr marL="0" lvl="0" indent="0" algn="l" rtl="0">
-              <a:spcBef>
-                <a:spcPts val="1200"/>
-              </a:spcBef>
-              <a:spcAft>
-                <a:spcPts val="0"/>
-              </a:spcAft>
-              <a:buNone/>
-            </a:pPr>
-            <a:endParaRPr sz="6200"/>
-          </a:p>
-          <a:p>
-            <a:pPr marL="0" lvl="0" indent="0" algn="l" rtl="0">
-              <a:spcBef>
-                <a:spcPts val="1200"/>
-              </a:spcBef>
-              <a:spcAft>
-                <a:spcPts val="0"/>
-              </a:spcAft>
-              <a:buNone/>
-            </a:pPr>
-            <a:endParaRPr sz="6200"/>
-          </a:p>
-          <a:p>
-            <a:pPr marL="0" lvl="0" indent="0" algn="l" rtl="0">
-              <a:spcBef>
-                <a:spcPts val="1200"/>
-              </a:spcBef>
-              <a:spcAft>
-                <a:spcPts val="0"/>
-              </a:spcAft>
-              <a:buNone/>
-            </a:pPr>
-            <a:endParaRPr sz="6200"/>
-          </a:p>
-          <a:p>
-            <a:pPr marL="0" lvl="0" indent="0" algn="l" rtl="0">
-              <a:spcBef>
-                <a:spcPts val="1200"/>
-              </a:spcBef>
-              <a:spcAft>
-                <a:spcPts val="0"/>
-              </a:spcAft>
-              <a:buNone/>
-            </a:pPr>
-            <a:endParaRPr sz="6200"/>
-          </a:p>
-          <a:p>
-            <a:pPr marL="0" lvl="0" indent="0" algn="l" rtl="0">
-              <a:spcBef>
-                <a:spcPts val="1200"/>
-              </a:spcBef>
-              <a:spcAft>
-                <a:spcPts val="0"/>
-              </a:spcAft>
-              <a:buNone/>
-            </a:pPr>
-            <a:endParaRPr sz="6200"/>
-          </a:p>
-          <a:p>
-            <a:pPr marL="0" lvl="0" indent="0" algn="l" rtl="0">
-              <a:spcBef>
-                <a:spcPts val="1200"/>
-              </a:spcBef>
-              <a:spcAft>
-                <a:spcPts val="1200"/>
-              </a:spcAft>
-              <a:buNone/>
-            </a:pPr>
-            <a:r>
-              <a:rPr lang="en" sz="5000"/>
-              <a:t> 		</a:t>
+          <a:p>
+            <a:pPr marL="0" lvl="0" indent="0" algn="ctr" rtl="0">
+              <a:spcBef>
+                <a:spcPts val="1200"/>
+              </a:spcBef>
+              <a:spcAft>
+                <a:spcPts val="1200"/>
+              </a:spcAft>
+              <a:buNone/>
+            </a:pPr>
+            <a:r>
+              <a:rPr lang="en"/>
+              <a:t>Can improve informed decisions, improve risk assessment, and enhance customer targeting</a:t>
             </a:r>
             <a:endParaRPr/>
           </a:p>
@@ -15001,7 +14328,7 @@
   <p:cSld>
     <p:spTree>
       <p:nvGrpSpPr>
-        <p:cNvPr id="1" name="Shape 221"/>
+        <p:cNvPr id="1" name="Shape 220"/>
         <p:cNvGrpSpPr/>
         <p:nvPr/>
       </p:nvGrpSpPr>
@@ -15015,7 +14342,7 @@
       </p:grpSpPr>
       <p:sp>
         <p:nvSpPr>
-          <p:cNvPr id="222" name="Google Shape;222;p37"/>
+          <p:cNvPr id="221" name="Google Shape;221;p37"/>
           <p:cNvSpPr txBox="1">
             <a:spLocks noGrp="1"/>
           </p:cNvSpPr>
@@ -15034,30 +14361,22 @@
         </p:spPr>
         <p:txBody>
           <a:bodyPr spcFirstLastPara="1" wrap="square" lIns="91425" tIns="91425" rIns="91425" bIns="91425" anchor="b" anchorCtr="0">
-            <a:normAutofit fontScale="90000"/>
+            <a:normAutofit/>
           </a:bodyPr>
           <a:lstStyle/>
           <a:p>
             <a:pPr marL="0" lvl="0" indent="0" algn="l" rtl="0">
-              <a:lnSpc>
-                <a:spcPct val="115000"/>
-              </a:lnSpc>
-              <a:spcBef>
-                <a:spcPts val="0"/>
-              </a:spcBef>
-              <a:spcAft>
-                <a:spcPts val="1200"/>
-              </a:spcAft>
-              <a:buNone/>
-            </a:pPr>
-            <a:r>
-              <a:rPr lang="en" sz="3800">
-                <a:latin typeface="Roboto"/>
-                <a:ea typeface="Roboto"/>
-                <a:cs typeface="Roboto"/>
-                <a:sym typeface="Roboto"/>
-              </a:rPr>
-              <a:t>KNN Classifier - RandomizedSearchCV</a:t>
+              <a:spcBef>
+                <a:spcPts val="0"/>
+              </a:spcBef>
+              <a:spcAft>
+                <a:spcPts val="0"/>
+              </a:spcAft>
+              <a:buNone/>
+            </a:pPr>
+            <a:r>
+              <a:rPr lang="en"/>
+              <a:t>Problems Encountered</a:t>
             </a:r>
             <a:endParaRPr/>
           </a:p>
@@ -15065,7 +14384,7 @@
       </p:sp>
       <p:sp>
         <p:nvSpPr>
-          <p:cNvPr id="223" name="Google Shape;223;p37"/>
+          <p:cNvPr id="222" name="Google Shape;222;p37"/>
           <p:cNvSpPr txBox="1">
             <a:spLocks noGrp="1"/>
           </p:cNvSpPr>
@@ -15075,8 +14394,8 @@
         </p:nvSpPr>
         <p:spPr>
           <a:xfrm>
-            <a:off x="387900" y="1489825"/>
-            <a:ext cx="2840100" cy="3078900"/>
+            <a:off x="387900" y="1489824"/>
+            <a:ext cx="8368200" cy="3078900"/>
           </a:xfrm>
           <a:prstGeom prst="rect">
             <a:avLst/>
@@ -15084,7 +14403,7 @@
         </p:spPr>
         <p:txBody>
           <a:bodyPr spcFirstLastPara="1" wrap="square" lIns="91425" tIns="91425" rIns="91425" bIns="91425" anchor="t" anchorCtr="0">
-            <a:normAutofit fontScale="47500" lnSpcReduction="20000"/>
+            <a:normAutofit/>
           </a:bodyPr>
           <a:lstStyle/>
           <a:p>
@@ -15093,363 +14412,13 @@
                 <a:spcPts val="0"/>
               </a:spcBef>
               <a:spcAft>
-                <a:spcPts val="0"/>
-              </a:spcAft>
-              <a:buNone/>
-            </a:pPr>
-            <a:r>
-              <a:rPr lang="en" sz="2700"/>
-              <a:t>Parameters</a:t>
-            </a:r>
-            <a:endParaRPr sz="2700"/>
-          </a:p>
-          <a:p>
-            <a:pPr marL="0" lvl="0" indent="0" algn="l" rtl="0">
-              <a:spcBef>
-                <a:spcPts val="1200"/>
-              </a:spcBef>
-              <a:spcAft>
-                <a:spcPts val="0"/>
-              </a:spcAft>
-              <a:buNone/>
-            </a:pPr>
-            <a:r>
-              <a:rPr lang="en" sz="2700"/>
-              <a:t>param_grid_random = {</a:t>
-            </a:r>
-            <a:endParaRPr sz="2700"/>
-          </a:p>
-          <a:p>
-            <a:pPr marL="0" lvl="0" indent="0" algn="l" rtl="0">
-              <a:spcBef>
-                <a:spcPts val="1200"/>
-              </a:spcBef>
-              <a:spcAft>
-                <a:spcPts val="0"/>
-              </a:spcAft>
-              <a:buNone/>
-            </a:pPr>
-            <a:r>
-              <a:rPr lang="en" sz="2700"/>
-              <a:t>    'n_neighbors': np.arange(1,20,2),</a:t>
-            </a:r>
-            <a:endParaRPr sz="2700"/>
-          </a:p>
-          <a:p>
-            <a:pPr marL="0" lvl="0" indent="0" algn="l" rtl="0">
-              <a:spcBef>
-                <a:spcPts val="1200"/>
-              </a:spcBef>
-              <a:spcAft>
-                <a:spcPts val="0"/>
-              </a:spcAft>
-              <a:buNone/>
-            </a:pPr>
-            <a:r>
-              <a:rPr lang="en" sz="2700"/>
-              <a:t>    'weights': ['uniform', 'distance'],</a:t>
-            </a:r>
-            <a:endParaRPr sz="2700"/>
-          </a:p>
-          <a:p>
-            <a:pPr marL="0" lvl="0" indent="0" algn="l" rtl="0">
-              <a:spcBef>
-                <a:spcPts val="1200"/>
-              </a:spcBef>
-              <a:spcAft>
-                <a:spcPts val="0"/>
-              </a:spcAft>
-              <a:buNone/>
-            </a:pPr>
-            <a:r>
-              <a:rPr lang="en" sz="2700"/>
-              <a:t>    'leaf_size': np.arange(1, 500)</a:t>
-            </a:r>
-            <a:endParaRPr sz="2700"/>
-          </a:p>
-          <a:p>
-            <a:pPr marL="0" lvl="0" indent="0" algn="l" rtl="0">
-              <a:spcBef>
-                <a:spcPts val="1200"/>
-              </a:spcBef>
-              <a:spcAft>
-                <a:spcPts val="0"/>
-              </a:spcAft>
-              <a:buNone/>
-            </a:pPr>
-            <a:r>
-              <a:rPr lang="en" sz="2700"/>
-              <a:t>}</a:t>
-            </a:r>
-            <a:endParaRPr sz="2700"/>
-          </a:p>
-          <a:p>
-            <a:pPr marL="0" lvl="0" indent="0" algn="l" rtl="0">
-              <a:spcBef>
-                <a:spcPts val="1200"/>
-              </a:spcBef>
-              <a:spcAft>
-                <a:spcPts val="0"/>
-              </a:spcAft>
-              <a:buNone/>
-            </a:pPr>
-            <a:r>
-              <a:rPr lang="en" sz="2700"/>
-              <a:t>RandomizedSearchCV(random_tuned_model, param_grid_random, random_state=0, verbose=3)</a:t>
-            </a:r>
-            <a:endParaRPr sz="2700"/>
-          </a:p>
-          <a:p>
-            <a:pPr marL="0" lvl="0" indent="0" algn="l" rtl="0">
-              <a:spcBef>
-                <a:spcPts val="1200"/>
-              </a:spcBef>
-              <a:spcAft>
-                <a:spcPts val="1200"/>
-              </a:spcAft>
-              <a:buNone/>
-            </a:pPr>
-            <a:endParaRPr/>
-          </a:p>
-        </p:txBody>
-      </p:sp>
-      <p:sp>
-        <p:nvSpPr>
-          <p:cNvPr id="224" name="Google Shape;224;p37"/>
-          <p:cNvSpPr txBox="1">
-            <a:spLocks noGrp="1"/>
-          </p:cNvSpPr>
-          <p:nvPr>
-            <p:ph type="body" idx="1"/>
-          </p:nvPr>
-        </p:nvSpPr>
-        <p:spPr>
-          <a:xfrm>
-            <a:off x="4210400" y="1489825"/>
-            <a:ext cx="4545600" cy="3078900"/>
-          </a:xfrm>
-          <a:prstGeom prst="rect">
-            <a:avLst/>
-          </a:prstGeom>
-        </p:spPr>
-        <p:txBody>
-          <a:bodyPr spcFirstLastPara="1" wrap="square" lIns="91425" tIns="91425" rIns="91425" bIns="91425" anchor="t" anchorCtr="0">
-            <a:normAutofit fontScale="25000" lnSpcReduction="20000"/>
-          </a:bodyPr>
-          <a:lstStyle/>
-          <a:p>
-            <a:pPr marL="0" lvl="0" indent="0" algn="l" rtl="0">
-              <a:spcBef>
-                <a:spcPts val="0"/>
-              </a:spcBef>
-              <a:spcAft>
-                <a:spcPts val="0"/>
-              </a:spcAft>
-              <a:buNone/>
-            </a:pPr>
-            <a:r>
-              <a:rPr lang="en" sz="6200"/>
-              <a:t>Classification Report :     	</a:t>
-            </a:r>
-            <a:endParaRPr sz="6200"/>
-          </a:p>
-          <a:p>
-            <a:pPr marL="0" lvl="0" indent="0" algn="l" rtl="0">
-              <a:spcBef>
-                <a:spcPts val="1200"/>
-              </a:spcBef>
-              <a:spcAft>
-                <a:spcPts val="0"/>
-              </a:spcAft>
-              <a:buNone/>
-            </a:pPr>
-            <a:r>
-              <a:rPr lang="en" sz="6200"/>
-              <a:t> 	  	precision    recall  f1-score   support</a:t>
-            </a:r>
-            <a:endParaRPr sz="6200"/>
-          </a:p>
-          <a:p>
-            <a:pPr marL="0" lvl="0" indent="0" algn="l" rtl="0">
-              <a:spcBef>
-                <a:spcPts val="1200"/>
-              </a:spcBef>
-              <a:spcAft>
-                <a:spcPts val="0"/>
-              </a:spcAft>
-              <a:buNone/>
-            </a:pPr>
-            <a:r>
-              <a:rPr lang="en" sz="6200"/>
-              <a:t>       	1       		0.00      0.00      0.00       234</a:t>
-            </a:r>
-            <a:endParaRPr sz="6200"/>
-          </a:p>
-          <a:p>
-            <a:pPr marL="0" lvl="0" indent="0" algn="l" rtl="0">
-              <a:spcBef>
-                <a:spcPts val="1200"/>
-              </a:spcBef>
-              <a:spcAft>
-                <a:spcPts val="0"/>
-              </a:spcAft>
-              <a:buNone/>
-            </a:pPr>
-            <a:r>
-              <a:rPr lang="en" sz="6200"/>
-              <a:t> 	0    		0.88      1.00      0.93      1649</a:t>
-            </a:r>
-            <a:endParaRPr sz="6200"/>
-          </a:p>
-          <a:p>
-            <a:pPr marL="0" lvl="0" indent="0" algn="l" rtl="0">
-              <a:spcBef>
-                <a:spcPts val="1200"/>
-              </a:spcBef>
-              <a:spcAft>
-                <a:spcPts val="0"/>
-              </a:spcAft>
-              <a:buNone/>
-            </a:pPr>
-            <a:r>
-              <a:rPr lang="en" sz="6200"/>
-              <a:t>    </a:t>
-            </a:r>
-            <a:r>
-              <a:rPr lang="en" sz="6200">
-                <a:solidFill>
-                  <a:schemeClr val="accent6"/>
-                </a:solidFill>
-              </a:rPr>
-              <a:t>accuracy                        	   0.88     </a:t>
-            </a:r>
-            <a:r>
-              <a:rPr lang="en" sz="6200"/>
-              <a:t>        1883</a:t>
-            </a:r>
-            <a:endParaRPr sz="6200"/>
-          </a:p>
-          <a:p>
-            <a:pPr marL="0" lvl="0" indent="0" algn="l" rtl="0">
-              <a:spcBef>
-                <a:spcPts val="1200"/>
-              </a:spcBef>
-              <a:spcAft>
-                <a:spcPts val="0"/>
-              </a:spcAft>
-              <a:buNone/>
-            </a:pPr>
-            <a:r>
-              <a:rPr lang="en" sz="6200"/>
-              <a:t>   macro avg       0.44      0.50      0.47      1883</a:t>
-            </a:r>
-            <a:endParaRPr sz="6200"/>
-          </a:p>
-          <a:p>
-            <a:pPr marL="0" lvl="0" indent="0" algn="l" rtl="0">
-              <a:spcBef>
-                <a:spcPts val="1200"/>
-              </a:spcBef>
-              <a:spcAft>
-                <a:spcPts val="0"/>
-              </a:spcAft>
-              <a:buNone/>
-            </a:pPr>
-            <a:r>
-              <a:rPr lang="en" sz="6200"/>
-              <a:t>weighted avg      0.77      0.88      0.82      1883</a:t>
-            </a:r>
-            <a:endParaRPr sz="6200"/>
-          </a:p>
-          <a:p>
-            <a:pPr marL="0" lvl="0" indent="0" algn="l" rtl="0">
-              <a:spcBef>
-                <a:spcPts val="1200"/>
-              </a:spcBef>
-              <a:spcAft>
-                <a:spcPts val="0"/>
-              </a:spcAft>
-              <a:buNone/>
-            </a:pPr>
-            <a:r>
-              <a:rPr lang="en" sz="6200"/>
-              <a:t>        	  </a:t>
-            </a:r>
-            <a:endParaRPr sz="6200"/>
-          </a:p>
-          <a:p>
-            <a:pPr marL="0" lvl="0" indent="0" algn="l" rtl="0">
-              <a:spcBef>
-                <a:spcPts val="1200"/>
-              </a:spcBef>
-              <a:spcAft>
-                <a:spcPts val="0"/>
-              </a:spcAft>
-              <a:buNone/>
-            </a:pPr>
-            <a:endParaRPr sz="6200"/>
-          </a:p>
-          <a:p>
-            <a:pPr marL="0" lvl="0" indent="0" algn="l" rtl="0">
-              <a:spcBef>
-                <a:spcPts val="1200"/>
-              </a:spcBef>
-              <a:spcAft>
-                <a:spcPts val="0"/>
-              </a:spcAft>
-              <a:buNone/>
-            </a:pPr>
-            <a:endParaRPr sz="6200"/>
-          </a:p>
-          <a:p>
-            <a:pPr marL="0" lvl="0" indent="0" algn="l" rtl="0">
-              <a:spcBef>
-                <a:spcPts val="1200"/>
-              </a:spcBef>
-              <a:spcAft>
-                <a:spcPts val="0"/>
-              </a:spcAft>
-              <a:buNone/>
-            </a:pPr>
-            <a:endParaRPr sz="6200"/>
-          </a:p>
-          <a:p>
-            <a:pPr marL="0" lvl="0" indent="0" algn="l" rtl="0">
-              <a:spcBef>
-                <a:spcPts val="1200"/>
-              </a:spcBef>
-              <a:spcAft>
-                <a:spcPts val="0"/>
-              </a:spcAft>
-              <a:buNone/>
-            </a:pPr>
-            <a:endParaRPr sz="6200"/>
-          </a:p>
-          <a:p>
-            <a:pPr marL="0" lvl="0" indent="0" algn="l" rtl="0">
-              <a:spcBef>
-                <a:spcPts val="1200"/>
-              </a:spcBef>
-              <a:spcAft>
-                <a:spcPts val="0"/>
-              </a:spcAft>
-              <a:buNone/>
-            </a:pPr>
-            <a:endParaRPr sz="6200"/>
-          </a:p>
-          <a:p>
-            <a:pPr marL="0" lvl="0" indent="0" algn="l" rtl="0">
-              <a:spcBef>
-                <a:spcPts val="1200"/>
-              </a:spcBef>
-              <a:spcAft>
-                <a:spcPts val="1200"/>
-              </a:spcAft>
-              <a:buNone/>
-            </a:pPr>
-            <a:r>
-              <a:rPr lang="en" sz="5000"/>
-              <a:t> 		</a:t>
+                <a:spcPts val="1200"/>
+              </a:spcAft>
+              <a:buNone/>
+            </a:pPr>
+            <a:r>
+              <a:rPr lang="en"/>
+              <a:t>Tuning Models with GridSearchCV and RandomizedSearchCV with various parameters</a:t>
             </a:r>
             <a:endParaRPr/>
           </a:p>
@@ -15468,7 +14437,7 @@
   <p:cSld>
     <p:spTree>
       <p:nvGrpSpPr>
-        <p:cNvPr id="1" name="Shape 228"/>
+        <p:cNvPr id="1" name="Shape 226"/>
         <p:cNvGrpSpPr/>
         <p:nvPr/>
       </p:nvGrpSpPr>
@@ -15482,7 +14451,7 @@
       </p:grpSpPr>
       <p:sp>
         <p:nvSpPr>
-          <p:cNvPr id="229" name="Google Shape;229;p38"/>
+          <p:cNvPr id="227" name="Google Shape;227;p38"/>
           <p:cNvSpPr txBox="1">
             <a:spLocks noGrp="1"/>
           </p:cNvSpPr>
@@ -15492,8 +14461,8 @@
         </p:nvSpPr>
         <p:spPr>
           <a:xfrm>
-            <a:off x="214300" y="442300"/>
-            <a:ext cx="5598900" cy="686100"/>
+            <a:off x="387900" y="458025"/>
+            <a:ext cx="8368200" cy="686100"/>
           </a:xfrm>
           <a:prstGeom prst="rect">
             <a:avLst/>
@@ -15501,7 +14470,7 @@
         </p:spPr>
         <p:txBody>
           <a:bodyPr spcFirstLastPara="1" wrap="square" lIns="91425" tIns="91425" rIns="91425" bIns="91425" anchor="b" anchorCtr="0">
-            <a:normAutofit fontScale="90000"/>
+            <a:normAutofit/>
           </a:bodyPr>
           <a:lstStyle/>
           <a:p>
@@ -15515,16 +14484,16 @@
               <a:buNone/>
             </a:pPr>
             <a:r>
-              <a:rPr lang="en" sz="2800"/>
-              <a:t>Accuracy Comparison -Summary</a:t>
-            </a:r>
-            <a:endParaRPr sz="2800"/>
+              <a:rPr lang="en"/>
+              <a:t>Future Considerations</a:t>
+            </a:r>
+            <a:endParaRPr/>
           </a:p>
         </p:txBody>
       </p:sp>
       <p:sp>
         <p:nvSpPr>
-          <p:cNvPr id="230" name="Google Shape;230;p38"/>
+          <p:cNvPr id="228" name="Google Shape;228;p38"/>
           <p:cNvSpPr txBox="1">
             <a:spLocks noGrp="1"/>
           </p:cNvSpPr>
@@ -15534,8 +14503,8 @@
         </p:nvSpPr>
         <p:spPr>
           <a:xfrm>
-            <a:off x="-174125" y="1396075"/>
-            <a:ext cx="2812800" cy="3506400"/>
+            <a:off x="387900" y="1489824"/>
+            <a:ext cx="8368200" cy="3078900"/>
           </a:xfrm>
           <a:prstGeom prst="rect">
             <a:avLst/>
@@ -15543,183 +14512,62 @@
         </p:spPr>
         <p:txBody>
           <a:bodyPr spcFirstLastPara="1" wrap="square" lIns="91425" tIns="91425" rIns="91425" bIns="91425" anchor="t" anchorCtr="0">
-            <a:noAutofit/>
+            <a:normAutofit/>
           </a:bodyPr>
           <a:lstStyle/>
           <a:p>
-            <a:pPr marL="0" lvl="0" indent="457200" algn="l" rtl="0">
-              <a:lnSpc>
-                <a:spcPct val="95000"/>
-              </a:lnSpc>
-              <a:spcBef>
-                <a:spcPts val="0"/>
-              </a:spcBef>
-              <a:spcAft>
-                <a:spcPts val="0"/>
-              </a:spcAft>
-              <a:buSzPts val="523"/>
-              <a:buNone/>
-            </a:pPr>
-            <a:r>
-              <a:rPr lang="en" sz="1355" b="1">
-                <a:latin typeface="Arial"/>
-                <a:ea typeface="Arial"/>
-                <a:cs typeface="Arial"/>
-                <a:sym typeface="Arial"/>
-              </a:rPr>
-              <a:t>Observations:</a:t>
-            </a:r>
-            <a:endParaRPr sz="1355" b="1">
-              <a:latin typeface="Arial"/>
-              <a:ea typeface="Arial"/>
-              <a:cs typeface="Arial"/>
-              <a:sym typeface="Arial"/>
-            </a:endParaRPr>
-          </a:p>
-          <a:p>
-            <a:pPr marL="457200" lvl="0" indent="-301942" algn="l" rtl="0">
-              <a:lnSpc>
-                <a:spcPct val="100000"/>
-              </a:lnSpc>
-              <a:spcBef>
-                <a:spcPts val="1200"/>
-              </a:spcBef>
-              <a:spcAft>
-                <a:spcPts val="0"/>
-              </a:spcAft>
-              <a:buSzPts val="1155"/>
-              <a:buFont typeface="Arial"/>
+            <a:pPr marL="457200" lvl="0" indent="-342900" algn="l" rtl="0">
+              <a:spcBef>
+                <a:spcPts val="0"/>
+              </a:spcBef>
+              <a:spcAft>
+                <a:spcPts val="0"/>
+              </a:spcAft>
+              <a:buSzPts val="1800"/>
               <a:buChar char="●"/>
             </a:pPr>
             <a:r>
-              <a:rPr lang="en" sz="1155" b="1">
-                <a:latin typeface="Arial"/>
-                <a:ea typeface="Arial"/>
-                <a:cs typeface="Arial"/>
-                <a:sym typeface="Arial"/>
-              </a:rPr>
-              <a:t>Tuning model with GridSerarchCV / RandomSerachCV provides better classification accuracy</a:t>
-            </a:r>
-            <a:endParaRPr sz="1155" b="1">
-              <a:latin typeface="Arial"/>
-              <a:ea typeface="Arial"/>
-              <a:cs typeface="Arial"/>
-              <a:sym typeface="Arial"/>
-            </a:endParaRPr>
-          </a:p>
-          <a:p>
-            <a:pPr marL="457200" lvl="0" indent="-301942" algn="l" rtl="0">
-              <a:lnSpc>
-                <a:spcPct val="100000"/>
-              </a:lnSpc>
-              <a:spcBef>
-                <a:spcPts val="0"/>
-              </a:spcBef>
-              <a:spcAft>
-                <a:spcPts val="0"/>
-              </a:spcAft>
-              <a:buSzPts val="1155"/>
-              <a:buFont typeface="Arial"/>
+              <a:rPr lang="en"/>
+              <a:t>Ensemble - Bagging, Boosting Models</a:t>
+            </a:r>
+            <a:endParaRPr/>
+          </a:p>
+          <a:p>
+            <a:pPr marL="457200" lvl="0" indent="-342900" algn="l" rtl="0">
+              <a:spcBef>
+                <a:spcPts val="0"/>
+              </a:spcBef>
+              <a:spcAft>
+                <a:spcPts val="0"/>
+              </a:spcAft>
+              <a:buSzPts val="1800"/>
               <a:buChar char="●"/>
             </a:pPr>
             <a:r>
-              <a:rPr lang="en" sz="1155" b="1">
-                <a:latin typeface="Arial"/>
-                <a:ea typeface="Arial"/>
-                <a:cs typeface="Arial"/>
-                <a:sym typeface="Arial"/>
-              </a:rPr>
-              <a:t>GradientBoosster and KNN prvoides 88% claissifcation accuracy with GrandientSearchCV/RandomSearchCV</a:t>
-            </a:r>
-            <a:endParaRPr sz="1155" b="1">
-              <a:latin typeface="Arial"/>
-              <a:ea typeface="Arial"/>
-              <a:cs typeface="Arial"/>
-              <a:sym typeface="Arial"/>
-            </a:endParaRPr>
-          </a:p>
-          <a:p>
-            <a:pPr marL="457200" lvl="0" indent="-301942" algn="l" rtl="0">
-              <a:lnSpc>
-                <a:spcPct val="100000"/>
-              </a:lnSpc>
-              <a:spcBef>
-                <a:spcPts val="0"/>
-              </a:spcBef>
-              <a:spcAft>
-                <a:spcPts val="0"/>
-              </a:spcAft>
-              <a:buSzPts val="1155"/>
-              <a:buFont typeface="Arial"/>
+              <a:rPr lang="en"/>
+              <a:t>Bayesian Optimization</a:t>
+            </a:r>
+            <a:endParaRPr/>
+          </a:p>
+          <a:p>
+            <a:pPr marL="457200" lvl="0" indent="-342900" algn="l" rtl="0">
+              <a:spcBef>
+                <a:spcPts val="0"/>
+              </a:spcBef>
+              <a:spcAft>
+                <a:spcPts val="0"/>
+              </a:spcAft>
+              <a:buSzPts val="1800"/>
               <a:buChar char="●"/>
             </a:pPr>
             <a:r>
-              <a:rPr lang="en" sz="1155" b="1">
-                <a:latin typeface="Arial"/>
-                <a:ea typeface="Arial"/>
-                <a:cs typeface="Arial"/>
-                <a:sym typeface="Arial"/>
-              </a:rPr>
-              <a:t>No Free Lunch theorem holds good here</a:t>
-            </a:r>
-            <a:endParaRPr sz="1155" b="1">
-              <a:latin typeface="Arial"/>
-              <a:ea typeface="Arial"/>
-              <a:cs typeface="Arial"/>
-              <a:sym typeface="Arial"/>
-            </a:endParaRPr>
-          </a:p>
-          <a:p>
-            <a:pPr marL="0" lvl="0" indent="0" algn="l" rtl="0">
-              <a:lnSpc>
-                <a:spcPct val="95000"/>
-              </a:lnSpc>
-              <a:spcBef>
-                <a:spcPts val="1200"/>
-              </a:spcBef>
-              <a:spcAft>
-                <a:spcPts val="1200"/>
-              </a:spcAft>
-              <a:buSzPts val="523"/>
-              <a:buNone/>
-            </a:pPr>
-            <a:endParaRPr sz="1155">
-              <a:latin typeface="Arial"/>
-              <a:ea typeface="Arial"/>
-              <a:cs typeface="Arial"/>
-              <a:sym typeface="Arial"/>
-            </a:endParaRPr>
+              <a:rPr lang="en"/>
+              <a:t>More data </a:t>
+            </a:r>
+            <a:endParaRPr/>
           </a:p>
         </p:txBody>
       </p:sp>
-      <p:pic>
-        <p:nvPicPr>
-          <p:cNvPr id="231" name="Google Shape;231;p38"/>
-          <p:cNvPicPr preferRelativeResize="0"/>
-          <p:nvPr/>
-        </p:nvPicPr>
-        <p:blipFill>
-          <a:blip r:embed="rId3">
-            <a:alphaModFix/>
-          </a:blip>
-          <a:stretch>
-            <a:fillRect/>
-          </a:stretch>
-        </p:blipFill>
-        <p:spPr>
-          <a:xfrm>
-            <a:off x="2638675" y="1280825"/>
-            <a:ext cx="6267951" cy="2965249"/>
-          </a:xfrm>
-          <a:prstGeom prst="rect">
-            <a:avLst/>
-          </a:prstGeom>
-          <a:noFill/>
-          <a:ln>
-            <a:noFill/>
-          </a:ln>
-        </p:spPr>
-      </p:pic>
     </p:spTree>
   </p:cSld>
   <p:clrMapOvr>
@@ -15733,7 +14581,7 @@
   <p:cSld>
     <p:spTree>
       <p:nvGrpSpPr>
-        <p:cNvPr id="1" name="Shape 235"/>
+        <p:cNvPr id="1" name="Shape 232"/>
         <p:cNvGrpSpPr/>
         <p:nvPr/>
       </p:nvGrpSpPr>
@@ -15747,49 +14595,7 @@
       </p:grpSpPr>
       <p:sp>
         <p:nvSpPr>
-          <p:cNvPr id="236" name="Google Shape;236;p39"/>
-          <p:cNvSpPr txBox="1">
-            <a:spLocks noGrp="1"/>
-          </p:cNvSpPr>
-          <p:nvPr>
-            <p:ph type="title"/>
-          </p:nvPr>
-        </p:nvSpPr>
-        <p:spPr>
-          <a:xfrm>
-            <a:off x="387900" y="458025"/>
-            <a:ext cx="8368200" cy="686100"/>
-          </a:xfrm>
-          <a:prstGeom prst="rect">
-            <a:avLst/>
-          </a:prstGeom>
-        </p:spPr>
-        <p:txBody>
-          <a:bodyPr spcFirstLastPara="1" wrap="square" lIns="91425" tIns="91425" rIns="91425" bIns="91425" anchor="b" anchorCtr="0">
-            <a:normAutofit/>
-          </a:bodyPr>
-          <a:lstStyle/>
-          <a:p>
-            <a:pPr marL="0" lvl="0" indent="0" algn="l" rtl="0">
-              <a:spcBef>
-                <a:spcPts val="0"/>
-              </a:spcBef>
-              <a:spcAft>
-                <a:spcPts val="0"/>
-              </a:spcAft>
-              <a:buNone/>
-            </a:pPr>
-            <a:r>
-              <a:rPr lang="en"/>
-              <a:t>Summary</a:t>
-            </a:r>
-            <a:endParaRPr/>
-          </a:p>
-        </p:txBody>
-      </p:sp>
-      <p:sp>
-        <p:nvSpPr>
-          <p:cNvPr id="237" name="Google Shape;237;p39"/>
+          <p:cNvPr id="233" name="Google Shape;233;p39"/>
           <p:cNvSpPr txBox="1">
             <a:spLocks noGrp="1"/>
           </p:cNvSpPr>
@@ -15799,7 +14605,7 @@
         </p:nvSpPr>
         <p:spPr>
           <a:xfrm>
-            <a:off x="343650" y="1365649"/>
+            <a:off x="387900" y="1489824"/>
             <a:ext cx="8368200" cy="3078900"/>
           </a:xfrm>
           <a:prstGeom prst="rect">
@@ -15817,284 +14623,15 @@
                 <a:spcPts val="0"/>
               </a:spcBef>
               <a:spcAft>
-                <a:spcPts val="0"/>
-              </a:spcAft>
-              <a:buNone/>
-            </a:pPr>
-            <a:r>
-              <a:rPr lang="en"/>
-              <a:t>Through this analysis we aimed to provide insights into how credit card eligibility is determined. The results obtained can serve a variety of entities such as researchers, analysts, and financial institutions as a basis for further insights to the key factors influencing credit card eligibility and to develop predictive model that assist with automating the credit assessment process.</a:t>
-            </a:r>
-            <a:endParaRPr/>
-          </a:p>
-          <a:p>
-            <a:pPr marL="0" lvl="0" indent="0" algn="ctr" rtl="0">
-              <a:spcBef>
-                <a:spcPts val="1200"/>
-              </a:spcBef>
-              <a:spcAft>
-                <a:spcPts val="1200"/>
-              </a:spcAft>
-              <a:buNone/>
-            </a:pPr>
-            <a:r>
-              <a:rPr lang="en"/>
-              <a:t>Can improve informed decisions, improve risk assessment, and enhance customer targeting</a:t>
-            </a:r>
-            <a:endParaRPr/>
-          </a:p>
-        </p:txBody>
-      </p:sp>
-    </p:spTree>
-  </p:cSld>
-  <p:clrMapOvr>
-    <a:masterClrMapping/>
-  </p:clrMapOvr>
-</p:sld>
-</file>
-
-<file path=ppt/slides/slide28.xml><?xml version="1.0" encoding="utf-8"?>
-<p:sld xmlns:a="http://schemas.openxmlformats.org/drawingml/2006/main" xmlns:r="http://schemas.openxmlformats.org/officeDocument/2006/relationships" xmlns:p="http://schemas.openxmlformats.org/presentationml/2006/main">
-  <p:cSld>
-    <p:spTree>
-      <p:nvGrpSpPr>
-        <p:cNvPr id="1" name="Shape 241"/>
-        <p:cNvGrpSpPr/>
-        <p:nvPr/>
-      </p:nvGrpSpPr>
-      <p:grpSpPr>
-        <a:xfrm>
-          <a:off x="0" y="0"/>
-          <a:ext cx="0" cy="0"/>
-          <a:chOff x="0" y="0"/>
-          <a:chExt cx="0" cy="0"/>
-        </a:xfrm>
-      </p:grpSpPr>
-      <p:sp>
-        <p:nvSpPr>
-          <p:cNvPr id="242" name="Google Shape;242;p40"/>
-          <p:cNvSpPr txBox="1">
-            <a:spLocks noGrp="1"/>
-          </p:cNvSpPr>
-          <p:nvPr>
-            <p:ph type="title"/>
-          </p:nvPr>
-        </p:nvSpPr>
-        <p:spPr>
-          <a:xfrm>
-            <a:off x="387900" y="458025"/>
-            <a:ext cx="8368200" cy="686100"/>
-          </a:xfrm>
-          <a:prstGeom prst="rect">
-            <a:avLst/>
-          </a:prstGeom>
-        </p:spPr>
-        <p:txBody>
-          <a:bodyPr spcFirstLastPara="1" wrap="square" lIns="91425" tIns="91425" rIns="91425" bIns="91425" anchor="b" anchorCtr="0">
-            <a:normAutofit/>
-          </a:bodyPr>
-          <a:lstStyle/>
-          <a:p>
-            <a:pPr marL="0" lvl="0" indent="0" algn="l" rtl="0">
-              <a:spcBef>
-                <a:spcPts val="0"/>
-              </a:spcBef>
-              <a:spcAft>
-                <a:spcPts val="0"/>
-              </a:spcAft>
-              <a:buNone/>
-            </a:pPr>
-            <a:r>
-              <a:rPr lang="en"/>
-              <a:t>Problems Encountered</a:t>
-            </a:r>
-            <a:endParaRPr/>
-          </a:p>
-        </p:txBody>
-      </p:sp>
-      <p:sp>
-        <p:nvSpPr>
-          <p:cNvPr id="243" name="Google Shape;243;p40"/>
-          <p:cNvSpPr txBox="1">
-            <a:spLocks noGrp="1"/>
-          </p:cNvSpPr>
-          <p:nvPr>
-            <p:ph type="body" idx="1"/>
-          </p:nvPr>
-        </p:nvSpPr>
-        <p:spPr>
-          <a:xfrm>
-            <a:off x="387900" y="1489824"/>
-            <a:ext cx="8368200" cy="3078900"/>
-          </a:xfrm>
-          <a:prstGeom prst="rect">
-            <a:avLst/>
-          </a:prstGeom>
-        </p:spPr>
-        <p:txBody>
-          <a:bodyPr spcFirstLastPara="1" wrap="square" lIns="91425" tIns="91425" rIns="91425" bIns="91425" anchor="t" anchorCtr="0">
-            <a:normAutofit/>
-          </a:bodyPr>
-          <a:lstStyle/>
-          <a:p>
-            <a:pPr marL="0" lvl="0" indent="0" algn="l" rtl="0">
-              <a:spcBef>
-                <a:spcPts val="0"/>
-              </a:spcBef>
-              <a:spcAft>
-                <a:spcPts val="1200"/>
-              </a:spcAft>
-              <a:buNone/>
-            </a:pPr>
-            <a:r>
-              <a:rPr lang="en"/>
-              <a:t>Tuning Models with GridSearchCV and RandomizedSearchCV with various parameters</a:t>
-            </a:r>
-            <a:endParaRPr/>
-          </a:p>
-        </p:txBody>
-      </p:sp>
-    </p:spTree>
-  </p:cSld>
-  <p:clrMapOvr>
-    <a:masterClrMapping/>
-  </p:clrMapOvr>
-</p:sld>
-</file>
-
-<file path=ppt/slides/slide29.xml><?xml version="1.0" encoding="utf-8"?>
-<p:sld xmlns:a="http://schemas.openxmlformats.org/drawingml/2006/main" xmlns:r="http://schemas.openxmlformats.org/officeDocument/2006/relationships" xmlns:p="http://schemas.openxmlformats.org/presentationml/2006/main">
-  <p:cSld>
-    <p:spTree>
-      <p:nvGrpSpPr>
-        <p:cNvPr id="1" name="Shape 247"/>
-        <p:cNvGrpSpPr/>
-        <p:nvPr/>
-      </p:nvGrpSpPr>
-      <p:grpSpPr>
-        <a:xfrm>
-          <a:off x="0" y="0"/>
-          <a:ext cx="0" cy="0"/>
-          <a:chOff x="0" y="0"/>
-          <a:chExt cx="0" cy="0"/>
-        </a:xfrm>
-      </p:grpSpPr>
-      <p:sp>
-        <p:nvSpPr>
-          <p:cNvPr id="248" name="Google Shape;248;p41"/>
-          <p:cNvSpPr txBox="1">
-            <a:spLocks noGrp="1"/>
-          </p:cNvSpPr>
-          <p:nvPr>
-            <p:ph type="title"/>
-          </p:nvPr>
-        </p:nvSpPr>
-        <p:spPr>
-          <a:xfrm>
-            <a:off x="387900" y="458025"/>
-            <a:ext cx="8368200" cy="686100"/>
-          </a:xfrm>
-          <a:prstGeom prst="rect">
-            <a:avLst/>
-          </a:prstGeom>
-        </p:spPr>
-        <p:txBody>
-          <a:bodyPr spcFirstLastPara="1" wrap="square" lIns="91425" tIns="91425" rIns="91425" bIns="91425" anchor="b" anchorCtr="0">
-            <a:normAutofit/>
-          </a:bodyPr>
-          <a:lstStyle/>
-          <a:p>
-            <a:pPr marL="0" lvl="0" indent="0" algn="l" rtl="0">
-              <a:spcBef>
-                <a:spcPts val="0"/>
-              </a:spcBef>
-              <a:spcAft>
-                <a:spcPts val="0"/>
-              </a:spcAft>
-              <a:buNone/>
-            </a:pPr>
-            <a:r>
-              <a:rPr lang="en"/>
-              <a:t>Future Considerations</a:t>
-            </a:r>
-            <a:endParaRPr/>
-          </a:p>
-        </p:txBody>
-      </p:sp>
-      <p:sp>
-        <p:nvSpPr>
-          <p:cNvPr id="249" name="Google Shape;249;p41"/>
-          <p:cNvSpPr txBox="1">
-            <a:spLocks noGrp="1"/>
-          </p:cNvSpPr>
-          <p:nvPr>
-            <p:ph type="body" idx="1"/>
-          </p:nvPr>
-        </p:nvSpPr>
-        <p:spPr>
-          <a:xfrm>
-            <a:off x="387900" y="1489824"/>
-            <a:ext cx="8368200" cy="3078900"/>
-          </a:xfrm>
-          <a:prstGeom prst="rect">
-            <a:avLst/>
-          </a:prstGeom>
-        </p:spPr>
-        <p:txBody>
-          <a:bodyPr spcFirstLastPara="1" wrap="square" lIns="91425" tIns="91425" rIns="91425" bIns="91425" anchor="t" anchorCtr="0">
-            <a:normAutofit/>
-          </a:bodyPr>
-          <a:lstStyle/>
-          <a:p>
-            <a:pPr marL="457200" lvl="0" indent="-342900" algn="l" rtl="0">
-              <a:spcBef>
-                <a:spcPts val="0"/>
-              </a:spcBef>
-              <a:spcAft>
-                <a:spcPts val="0"/>
-              </a:spcAft>
-              <a:buSzPts val="1800"/>
-              <a:buChar char="●"/>
-            </a:pPr>
-            <a:r>
-              <a:rPr lang="en"/>
-              <a:t>Ensemble - Bagging, Boosting Models</a:t>
-            </a:r>
-            <a:endParaRPr/>
-          </a:p>
-          <a:p>
-            <a:pPr marL="457200" lvl="0" indent="-342900" algn="l" rtl="0">
-              <a:spcBef>
-                <a:spcPts val="0"/>
-              </a:spcBef>
-              <a:spcAft>
-                <a:spcPts val="0"/>
-              </a:spcAft>
-              <a:buSzPts val="1800"/>
-              <a:buChar char="●"/>
-            </a:pPr>
-            <a:r>
-              <a:rPr lang="en"/>
-              <a:t>Bayesian Optimization</a:t>
-            </a:r>
-            <a:endParaRPr/>
-          </a:p>
-          <a:p>
-            <a:pPr marL="457200" lvl="0" indent="-342900" algn="l" rtl="0">
-              <a:spcBef>
-                <a:spcPts val="0"/>
-              </a:spcBef>
-              <a:spcAft>
-                <a:spcPts val="0"/>
-              </a:spcAft>
-              <a:buSzPts val="1800"/>
-              <a:buChar char="●"/>
-            </a:pPr>
-            <a:r>
-              <a:rPr lang="en"/>
-              <a:t>More data </a:t>
-            </a:r>
-            <a:endParaRPr/>
+                <a:spcPts val="1200"/>
+              </a:spcAft>
+              <a:buNone/>
+            </a:pPr>
+            <a:r>
+              <a:rPr lang="en" sz="7200"/>
+              <a:t>Q &amp; A</a:t>
+            </a:r>
+            <a:endParaRPr sz="7200"/>
           </a:p>
         </p:txBody>
       </p:sp>
@@ -16245,73 +14782,6 @@
 </p:sld>
 </file>
 
-<file path=ppt/slides/slide30.xml><?xml version="1.0" encoding="utf-8"?>
-<p:sld xmlns:a="http://schemas.openxmlformats.org/drawingml/2006/main" xmlns:r="http://schemas.openxmlformats.org/officeDocument/2006/relationships" xmlns:p="http://schemas.openxmlformats.org/presentationml/2006/main">
-  <p:cSld>
-    <p:spTree>
-      <p:nvGrpSpPr>
-        <p:cNvPr id="1" name="Shape 253"/>
-        <p:cNvGrpSpPr/>
-        <p:nvPr/>
-      </p:nvGrpSpPr>
-      <p:grpSpPr>
-        <a:xfrm>
-          <a:off x="0" y="0"/>
-          <a:ext cx="0" cy="0"/>
-          <a:chOff x="0" y="0"/>
-          <a:chExt cx="0" cy="0"/>
-        </a:xfrm>
-      </p:grpSpPr>
-      <p:sp>
-        <p:nvSpPr>
-          <p:cNvPr id="254" name="Google Shape;254;p42"/>
-          <p:cNvSpPr txBox="1">
-            <a:spLocks noGrp="1"/>
-          </p:cNvSpPr>
-          <p:nvPr>
-            <p:ph type="body" idx="1"/>
-          </p:nvPr>
-        </p:nvSpPr>
-        <p:spPr>
-          <a:xfrm>
-            <a:off x="387900" y="1489824"/>
-            <a:ext cx="8368200" cy="3078900"/>
-          </a:xfrm>
-          <a:prstGeom prst="rect">
-            <a:avLst/>
-          </a:prstGeom>
-        </p:spPr>
-        <p:txBody>
-          <a:bodyPr spcFirstLastPara="1" wrap="square" lIns="91425" tIns="91425" rIns="91425" bIns="91425" anchor="t" anchorCtr="0">
-            <a:normAutofit/>
-          </a:bodyPr>
-          <a:lstStyle/>
-          <a:p>
-            <a:pPr marL="0" lvl="0" indent="0" algn="ctr" rtl="0">
-              <a:spcBef>
-                <a:spcPts val="0"/>
-              </a:spcBef>
-              <a:spcAft>
-                <a:spcPts val="1200"/>
-              </a:spcAft>
-              <a:buNone/>
-            </a:pPr>
-            <a:r>
-              <a:rPr lang="en" sz="7200"/>
-              <a:t>Q &amp; A</a:t>
-            </a:r>
-            <a:endParaRPr sz="7200"/>
-          </a:p>
-        </p:txBody>
-      </p:sp>
-    </p:spTree>
-  </p:cSld>
-  <p:clrMapOvr>
-    <a:masterClrMapping/>
-  </p:clrMapOvr>
-</p:sld>
-</file>
-
 <file path=ppt/slides/slide4.xml><?xml version="1.0" encoding="utf-8"?>
 <p:sld xmlns:a="http://schemas.openxmlformats.org/drawingml/2006/main" xmlns:r="http://schemas.openxmlformats.org/officeDocument/2006/relationships" xmlns:p="http://schemas.openxmlformats.org/presentationml/2006/main">
   <p:cSld>
@@ -16588,10 +15058,10 @@
               <a:buChar char="●"/>
             </a:pPr>
             <a:r>
-              <a:rPr lang="en" dirty="0"/>
+              <a:rPr lang="en"/>
               <a:t>Pandas</a:t>
             </a:r>
-            <a:endParaRPr dirty="0"/>
+            <a:endParaRPr/>
           </a:p>
           <a:p>
             <a:pPr marL="457200" lvl="0" indent="-342900" algn="l" rtl="0">
@@ -16605,10 +15075,10 @@
               <a:buChar char="●"/>
             </a:pPr>
             <a:r>
-              <a:rPr lang="en" dirty="0"/>
-              <a:t>Sklearn: model selection, standard scaler, label encoder, linear model, logistical regression, SVC, Kneighbors, DecisionTree, RandomForest, GradientBoost</a:t>
-            </a:r>
-            <a:endParaRPr dirty="0"/>
+              <a:rPr lang="en"/>
+              <a:t>Sklearn:	model selection, standard scaler, label encoder, linear model, logistical regression, SVC, Kneighbors, DecisionTree, RandomForest, GradientBoost</a:t>
+            </a:r>
+            <a:endParaRPr/>
           </a:p>
           <a:p>
             <a:pPr marL="457200" lvl="0" indent="-342900" algn="l" rtl="0">
@@ -16622,10 +15092,10 @@
               <a:buChar char="●"/>
             </a:pPr>
             <a:r>
-              <a:rPr lang="en" dirty="0"/>
+              <a:rPr lang="en"/>
               <a:t>Numpy</a:t>
             </a:r>
-            <a:endParaRPr dirty="0"/>
+            <a:endParaRPr/>
           </a:p>
           <a:p>
             <a:pPr marL="457200" lvl="0" indent="-342900" algn="l" rtl="0">
@@ -16639,10 +15109,10 @@
               <a:buChar char="●"/>
             </a:pPr>
             <a:r>
-              <a:rPr lang="en" dirty="0"/>
+              <a:rPr lang="en"/>
               <a:t>Seaborn</a:t>
             </a:r>
-            <a:endParaRPr dirty="0"/>
+            <a:endParaRPr/>
           </a:p>
           <a:p>
             <a:pPr marL="457200" lvl="0" indent="-342900" algn="l" rtl="0">
@@ -16656,10 +15126,10 @@
               <a:buChar char="●"/>
             </a:pPr>
             <a:r>
-              <a:rPr lang="en" dirty="0"/>
+              <a:rPr lang="en"/>
               <a:t>Matplotlib</a:t>
             </a:r>
-            <a:endParaRPr dirty="0"/>
+            <a:endParaRPr/>
           </a:p>
           <a:p>
             <a:pPr marL="457200" lvl="0" indent="-342900" algn="l" rtl="0">
@@ -16673,10 +15143,10 @@
               <a:buChar char="●"/>
             </a:pPr>
             <a:r>
-              <a:rPr lang="en" dirty="0"/>
+              <a:rPr lang="en"/>
               <a:t>Scipy.stats</a:t>
             </a:r>
-            <a:endParaRPr dirty="0"/>
+            <a:endParaRPr/>
           </a:p>
           <a:p>
             <a:pPr marL="457200" lvl="0" indent="-342900" algn="l" rtl="0">
@@ -16690,10 +15160,10 @@
               <a:buChar char="●"/>
             </a:pPr>
             <a:r>
-              <a:rPr lang="en" dirty="0"/>
+              <a:rPr lang="en"/>
               <a:t>AutoViz</a:t>
             </a:r>
-            <a:endParaRPr dirty="0"/>
+            <a:endParaRPr/>
           </a:p>
         </p:txBody>
       </p:sp>
